--- a/Docs/high_level_arch.pptx
+++ b/Docs/high_level_arch.pptx
@@ -3037,14 +3037,98 @@
       </p:grpSpPr>
       <p:sp>
         <p:nvSpPr>
+          <p:cNvPr id="85" name="Rectangle 84"/>
+          <p:cNvSpPr/>
+          <p:nvPr/>
+        </p:nvSpPr>
+        <p:spPr>
+          <a:xfrm>
+            <a:off x="539552" y="2780928"/>
+            <a:ext cx="1872208" cy="1800200"/>
+          </a:xfrm>
+          <a:prstGeom prst="rect">
+            <a:avLst/>
+          </a:prstGeom>
+        </p:spPr>
+        <p:style>
+          <a:lnRef idx="2">
+            <a:schemeClr val="accent4"/>
+          </a:lnRef>
+          <a:fillRef idx="1">
+            <a:schemeClr val="lt1"/>
+          </a:fillRef>
+          <a:effectRef idx="0">
+            <a:schemeClr val="accent4"/>
+          </a:effectRef>
+          <a:fontRef idx="minor">
+            <a:schemeClr val="dk1"/>
+          </a:fontRef>
+        </p:style>
+        <p:txBody>
+          <a:bodyPr rtlCol="0" anchor="b"/>
+          <a:lstStyle/>
+          <a:p>
+            <a:pPr algn="ctr"/>
+            <a:r>
+              <a:rPr lang="en-GB" sz="1400" dirty="0" smtClean="0"/>
+              <a:t>Single Machine</a:t>
+            </a:r>
+            <a:endParaRPr lang="en-GB" sz="1400" dirty="0"/>
+          </a:p>
+        </p:txBody>
+      </p:sp>
+      <p:sp>
+        <p:nvSpPr>
+          <p:cNvPr id="83" name="Rectangle 82"/>
+          <p:cNvSpPr/>
+          <p:nvPr/>
+        </p:nvSpPr>
+        <p:spPr>
+          <a:xfrm>
+            <a:off x="2699792" y="1412776"/>
+            <a:ext cx="4032448" cy="4896544"/>
+          </a:xfrm>
+          <a:prstGeom prst="rect">
+            <a:avLst/>
+          </a:prstGeom>
+        </p:spPr>
+        <p:style>
+          <a:lnRef idx="2">
+            <a:schemeClr val="accent4"/>
+          </a:lnRef>
+          <a:fillRef idx="1">
+            <a:schemeClr val="lt1"/>
+          </a:fillRef>
+          <a:effectRef idx="0">
+            <a:schemeClr val="accent4"/>
+          </a:effectRef>
+          <a:fontRef idx="minor">
+            <a:schemeClr val="dk1"/>
+          </a:fontRef>
+        </p:style>
+        <p:txBody>
+          <a:bodyPr rtlCol="0" anchor="b"/>
+          <a:lstStyle/>
+          <a:p>
+            <a:pPr algn="ctr"/>
+            <a:r>
+              <a:rPr lang="en-GB" sz="1400" dirty="0" smtClean="0"/>
+              <a:t>Single Machine</a:t>
+            </a:r>
+            <a:endParaRPr lang="en-GB" sz="1400" dirty="0"/>
+          </a:p>
+        </p:txBody>
+      </p:sp>
+      <p:sp>
+        <p:nvSpPr>
           <p:cNvPr id="4" name="Rectangle 3"/>
           <p:cNvSpPr/>
           <p:nvPr/>
         </p:nvSpPr>
         <p:spPr>
           <a:xfrm>
-            <a:off x="2483768" y="1628800"/>
-            <a:ext cx="3384376" cy="1851634"/>
+            <a:off x="3059832" y="1556792"/>
+            <a:ext cx="3384376" cy="1563602"/>
           </a:xfrm>
           <a:prstGeom prst="rect">
             <a:avLst/>
@@ -3087,7 +3171,7 @@
         </p:nvSpPr>
         <p:spPr>
           <a:xfrm>
-            <a:off x="2411760" y="4437112"/>
+            <a:off x="2987824" y="4077072"/>
             <a:ext cx="3384376" cy="1584176"/>
           </a:xfrm>
           <a:prstGeom prst="rect">
@@ -3138,8 +3222,8 @@
         </p:nvSpPr>
         <p:spPr>
           <a:xfrm>
-            <a:off x="2771800" y="1988840"/>
-            <a:ext cx="708358" cy="440866"/>
+            <a:off x="3419872" y="2204864"/>
+            <a:ext cx="648072" cy="432048"/>
           </a:xfrm>
           <a:prstGeom prst="rect">
             <a:avLst/>
@@ -3180,7 +3264,7 @@
         </p:nvSpPr>
         <p:spPr>
           <a:xfrm>
-            <a:off x="3707904" y="1988840"/>
+            <a:off x="4355976" y="2204864"/>
             <a:ext cx="708358" cy="440866"/>
           </a:xfrm>
           <a:prstGeom prst="rect">
@@ -3222,8 +3306,8 @@
         </p:nvSpPr>
         <p:spPr>
           <a:xfrm>
-            <a:off x="4716016" y="1988840"/>
-            <a:ext cx="787064" cy="440866"/>
+            <a:off x="5292080" y="2204864"/>
+            <a:ext cx="792088" cy="440866"/>
           </a:xfrm>
           <a:prstGeom prst="rect">
             <a:avLst/>
@@ -3264,8 +3348,8 @@
         </p:nvCxnSpPr>
         <p:spPr>
           <a:xfrm flipH="1" flipV="1">
-            <a:off x="5508104" y="3212976"/>
-            <a:ext cx="720080" cy="504056"/>
+            <a:off x="6156176" y="2636912"/>
+            <a:ext cx="792088" cy="576064"/>
           </a:xfrm>
           <a:prstGeom prst="straightConnector1">
             <a:avLst/>
@@ -3297,8 +3381,8 @@
         </p:nvSpPr>
         <p:spPr>
           <a:xfrm>
-            <a:off x="6228184" y="3645024"/>
-            <a:ext cx="1726807" cy="646331"/>
+            <a:off x="6948264" y="3212976"/>
+            <a:ext cx="1726807" cy="276999"/>
           </a:xfrm>
           <a:prstGeom prst="rect">
             <a:avLst/>
@@ -3313,225 +3397,8 @@
           <a:p>
             <a:r>
               <a:rPr lang="en-GB" sz="1200" dirty="0" smtClean="0"/>
-              <a:t>Server per process per client. N Processes per machine</a:t>
-            </a:r>
-            <a:endParaRPr lang="en-GB" sz="1200" dirty="0"/>
-          </a:p>
-        </p:txBody>
-      </p:sp>
-      <p:sp>
-        <p:nvSpPr>
-          <p:cNvPr id="20" name="Rectangle 19"/>
-          <p:cNvSpPr/>
-          <p:nvPr/>
-        </p:nvSpPr>
-        <p:spPr>
-          <a:xfrm>
-            <a:off x="2771800" y="2708920"/>
-            <a:ext cx="708358" cy="440866"/>
-          </a:xfrm>
-          <a:prstGeom prst="rect">
-            <a:avLst/>
-          </a:prstGeom>
-        </p:spPr>
-        <p:style>
-          <a:lnRef idx="2">
-            <a:schemeClr val="dk1"/>
-          </a:lnRef>
-          <a:fillRef idx="1">
-            <a:schemeClr val="lt1"/>
-          </a:fillRef>
-          <a:effectRef idx="0">
-            <a:schemeClr val="dk1"/>
-          </a:effectRef>
-          <a:fontRef idx="minor">
-            <a:schemeClr val="dk1"/>
-          </a:fontRef>
-        </p:style>
-        <p:txBody>
-          <a:bodyPr rtlCol="0" anchor="ctr"/>
-          <a:lstStyle/>
-          <a:p>
-            <a:pPr algn="ctr"/>
-            <a:r>
-              <a:rPr lang="en-GB" sz="1200" dirty="0" smtClean="0"/>
-              <a:t>Server</a:t>
-            </a:r>
-            <a:endParaRPr lang="en-GB" sz="1200" dirty="0"/>
-          </a:p>
-        </p:txBody>
-      </p:sp>
-      <p:sp>
-        <p:nvSpPr>
-          <p:cNvPr id="21" name="Rectangle 20"/>
-          <p:cNvSpPr/>
-          <p:nvPr/>
-        </p:nvSpPr>
-        <p:spPr>
-          <a:xfrm>
-            <a:off x="3707904" y="2708920"/>
-            <a:ext cx="708358" cy="440866"/>
-          </a:xfrm>
-          <a:prstGeom prst="rect">
-            <a:avLst/>
-          </a:prstGeom>
-        </p:spPr>
-        <p:style>
-          <a:lnRef idx="2">
-            <a:schemeClr val="dk1"/>
-          </a:lnRef>
-          <a:fillRef idx="1">
-            <a:schemeClr val="lt1"/>
-          </a:fillRef>
-          <a:effectRef idx="0">
-            <a:schemeClr val="dk1"/>
-          </a:effectRef>
-          <a:fontRef idx="minor">
-            <a:schemeClr val="dk1"/>
-          </a:fontRef>
-        </p:style>
-        <p:txBody>
-          <a:bodyPr rtlCol="0" anchor="ctr"/>
-          <a:lstStyle/>
-          <a:p>
-            <a:pPr algn="ctr"/>
-            <a:r>
-              <a:rPr lang="en-GB" sz="1200" dirty="0" smtClean="0"/>
-              <a:t>Server</a:t>
-            </a:r>
-            <a:endParaRPr lang="en-GB" sz="1200" dirty="0"/>
-          </a:p>
-        </p:txBody>
-      </p:sp>
-      <p:sp>
-        <p:nvSpPr>
-          <p:cNvPr id="22" name="Rectangle 21"/>
-          <p:cNvSpPr/>
-          <p:nvPr/>
-        </p:nvSpPr>
-        <p:spPr>
-          <a:xfrm>
-            <a:off x="4716016" y="2708920"/>
-            <a:ext cx="787064" cy="440866"/>
-          </a:xfrm>
-          <a:prstGeom prst="rect">
-            <a:avLst/>
-          </a:prstGeom>
-        </p:spPr>
-        <p:style>
-          <a:lnRef idx="2">
-            <a:schemeClr val="dk1"/>
-          </a:lnRef>
-          <a:fillRef idx="1">
-            <a:schemeClr val="lt1"/>
-          </a:fillRef>
-          <a:effectRef idx="0">
-            <a:schemeClr val="dk1"/>
-          </a:effectRef>
-          <a:fontRef idx="minor">
-            <a:schemeClr val="dk1"/>
-          </a:fontRef>
-        </p:style>
-        <p:txBody>
-          <a:bodyPr rtlCol="0" anchor="ctr"/>
-          <a:lstStyle/>
-          <a:p>
-            <a:pPr algn="ctr"/>
-            <a:r>
-              <a:rPr lang="en-GB" sz="1200" dirty="0" smtClean="0"/>
-              <a:t>Server</a:t>
-            </a:r>
-            <a:endParaRPr lang="en-GB" sz="1200" dirty="0"/>
-          </a:p>
-        </p:txBody>
-      </p:sp>
-      <p:sp>
-        <p:nvSpPr>
-          <p:cNvPr id="24" name="Rectangle 23"/>
-          <p:cNvSpPr/>
-          <p:nvPr/>
-        </p:nvSpPr>
-        <p:spPr>
-          <a:xfrm>
-            <a:off x="3419872" y="3933056"/>
-            <a:ext cx="1296144" cy="648072"/>
-          </a:xfrm>
-          <a:prstGeom prst="rect">
-            <a:avLst/>
-          </a:prstGeom>
-          <a:ln w="19050">
-            <a:prstDash val="dash"/>
-          </a:ln>
-        </p:spPr>
-        <p:style>
-          <a:lnRef idx="2">
-            <a:schemeClr val="dk1"/>
-          </a:lnRef>
-          <a:fillRef idx="1">
-            <a:schemeClr val="lt1"/>
-          </a:fillRef>
-          <a:effectRef idx="0">
-            <a:schemeClr val="dk1"/>
-          </a:effectRef>
-          <a:fontRef idx="minor">
-            <a:schemeClr val="dk1"/>
-          </a:fontRef>
-        </p:style>
-        <p:txBody>
-          <a:bodyPr rtlCol="0" anchor="b"/>
-          <a:lstStyle/>
-          <a:p>
-            <a:pPr algn="ctr"/>
-            <a:r>
-              <a:rPr lang="en-GB" sz="1200" dirty="0" smtClean="0"/>
-              <a:t>Media server interface</a:t>
-            </a:r>
-            <a:endParaRPr lang="en-GB" sz="1200" dirty="0"/>
-          </a:p>
-        </p:txBody>
-      </p:sp>
-      <p:sp>
-        <p:nvSpPr>
-          <p:cNvPr id="17" name="Up-Down Arrow 16"/>
-          <p:cNvSpPr/>
-          <p:nvPr/>
-        </p:nvSpPr>
-        <p:spPr>
-          <a:xfrm>
-            <a:off x="3923928" y="3212976"/>
-            <a:ext cx="216024" cy="936104"/>
-          </a:xfrm>
-          <a:prstGeom prst="upDownArrow">
-            <a:avLst/>
-          </a:prstGeom>
-          <a:ln>
-            <a:solidFill>
-              <a:schemeClr val="bg1">
-                <a:lumMod val="75000"/>
-              </a:schemeClr>
-            </a:solidFill>
-          </a:ln>
-        </p:spPr>
-        <p:style>
-          <a:lnRef idx="2">
-            <a:schemeClr val="accent1"/>
-          </a:lnRef>
-          <a:fillRef idx="1">
-            <a:schemeClr val="lt1"/>
-          </a:fillRef>
-          <a:effectRef idx="0">
-            <a:schemeClr val="accent1"/>
-          </a:effectRef>
-          <a:fontRef idx="minor">
-            <a:schemeClr val="dk1"/>
-          </a:fontRef>
-        </p:style>
-        <p:txBody>
-          <a:bodyPr rtlCol="0" anchor="ctr"/>
-          <a:lstStyle/>
-          <a:p>
-            <a:pPr algn="ctr"/>
-            <a:endParaRPr lang="en-GB" sz="1200"/>
+              <a:t>Mirrored processes </a:t>
+            </a:r>
           </a:p>
         </p:txBody>
       </p:sp>
@@ -3543,8 +3410,8 @@
         </p:nvSpPr>
         <p:spPr>
           <a:xfrm>
-            <a:off x="2627784" y="4725144"/>
-            <a:ext cx="708358" cy="440866"/>
+            <a:off x="3419872" y="4581128"/>
+            <a:ext cx="648072" cy="440866"/>
           </a:xfrm>
           <a:prstGeom prst="rect">
             <a:avLst/>
@@ -3593,7 +3460,7 @@
         </p:nvSpPr>
         <p:spPr>
           <a:xfrm>
-            <a:off x="3707904" y="4725144"/>
+            <a:off x="4355976" y="4581128"/>
             <a:ext cx="708358" cy="440866"/>
           </a:xfrm>
           <a:prstGeom prst="rect">
@@ -3643,8 +3510,8 @@
         </p:nvSpPr>
         <p:spPr>
           <a:xfrm>
-            <a:off x="4788024" y="4725144"/>
-            <a:ext cx="708358" cy="440866"/>
+            <a:off x="5292080" y="4581128"/>
+            <a:ext cx="780366" cy="440866"/>
           </a:xfrm>
           <a:prstGeom prst="rect">
             <a:avLst/>
@@ -3685,155 +3552,6 @@
           </a:p>
         </p:txBody>
       </p:sp>
-      <p:sp>
-        <p:nvSpPr>
-          <p:cNvPr id="28" name="Rectangle 27"/>
-          <p:cNvSpPr/>
-          <p:nvPr/>
-        </p:nvSpPr>
-        <p:spPr>
-          <a:xfrm>
-            <a:off x="2627784" y="5301208"/>
-            <a:ext cx="708358" cy="440866"/>
-          </a:xfrm>
-          <a:prstGeom prst="rect">
-            <a:avLst/>
-          </a:prstGeom>
-          <a:ln>
-            <a:solidFill>
-              <a:schemeClr val="accent1">
-                <a:lumMod val="60000"/>
-                <a:lumOff val="40000"/>
-              </a:schemeClr>
-            </a:solidFill>
-          </a:ln>
-        </p:spPr>
-        <p:style>
-          <a:lnRef idx="2">
-            <a:schemeClr val="accent2"/>
-          </a:lnRef>
-          <a:fillRef idx="1">
-            <a:schemeClr val="lt1"/>
-          </a:fillRef>
-          <a:effectRef idx="0">
-            <a:schemeClr val="accent2"/>
-          </a:effectRef>
-          <a:fontRef idx="minor">
-            <a:schemeClr val="dk1"/>
-          </a:fontRef>
-        </p:style>
-        <p:txBody>
-          <a:bodyPr rtlCol="0" anchor="ctr"/>
-          <a:lstStyle/>
-          <a:p>
-            <a:pPr algn="ctr"/>
-            <a:r>
-              <a:rPr lang="en-GB" sz="1200" dirty="0"/>
-              <a:t>Server</a:t>
-            </a:r>
-          </a:p>
-        </p:txBody>
-      </p:sp>
-      <p:sp>
-        <p:nvSpPr>
-          <p:cNvPr id="29" name="Rectangle 28"/>
-          <p:cNvSpPr/>
-          <p:nvPr/>
-        </p:nvSpPr>
-        <p:spPr>
-          <a:xfrm>
-            <a:off x="3707904" y="5301208"/>
-            <a:ext cx="708358" cy="440866"/>
-          </a:xfrm>
-          <a:prstGeom prst="rect">
-            <a:avLst/>
-          </a:prstGeom>
-          <a:ln>
-            <a:solidFill>
-              <a:schemeClr val="tx2">
-                <a:lumMod val="40000"/>
-                <a:lumOff val="60000"/>
-              </a:schemeClr>
-            </a:solidFill>
-          </a:ln>
-        </p:spPr>
-        <p:style>
-          <a:lnRef idx="2">
-            <a:schemeClr val="accent2"/>
-          </a:lnRef>
-          <a:fillRef idx="1">
-            <a:schemeClr val="lt1"/>
-          </a:fillRef>
-          <a:effectRef idx="0">
-            <a:schemeClr val="accent2"/>
-          </a:effectRef>
-          <a:fontRef idx="minor">
-            <a:schemeClr val="dk1"/>
-          </a:fontRef>
-        </p:style>
-        <p:txBody>
-          <a:bodyPr rtlCol="0" anchor="ctr"/>
-          <a:lstStyle/>
-          <a:p>
-            <a:pPr algn="ctr"/>
-            <a:r>
-              <a:rPr lang="en-GB" sz="1200" dirty="0" smtClean="0"/>
-              <a:t>Server</a:t>
-            </a:r>
-            <a:endParaRPr lang="en-GB" sz="1200" dirty="0"/>
-          </a:p>
-        </p:txBody>
-      </p:sp>
-      <p:sp>
-        <p:nvSpPr>
-          <p:cNvPr id="30" name="Rectangle 29"/>
-          <p:cNvSpPr/>
-          <p:nvPr/>
-        </p:nvSpPr>
-        <p:spPr>
-          <a:xfrm>
-            <a:off x="4788024" y="5301208"/>
-            <a:ext cx="708358" cy="440866"/>
-          </a:xfrm>
-          <a:prstGeom prst="rect">
-            <a:avLst/>
-          </a:prstGeom>
-          <a:ln>
-            <a:solidFill>
-              <a:schemeClr val="tx2">
-                <a:lumMod val="40000"/>
-                <a:lumOff val="60000"/>
-              </a:schemeClr>
-            </a:solidFill>
-          </a:ln>
-        </p:spPr>
-        <p:style>
-          <a:lnRef idx="2">
-            <a:schemeClr val="accent2"/>
-          </a:lnRef>
-          <a:fillRef idx="1">
-            <a:schemeClr val="lt1"/>
-          </a:fillRef>
-          <a:effectRef idx="0">
-            <a:schemeClr val="accent2"/>
-          </a:effectRef>
-          <a:fontRef idx="minor">
-            <a:schemeClr val="dk1"/>
-          </a:fontRef>
-        </p:style>
-        <p:txBody>
-          <a:bodyPr rtlCol="0" anchor="ctr"/>
-          <a:lstStyle/>
-          <a:p>
-            <a:pPr algn="ctr"/>
-            <a:r>
-              <a:rPr lang="en-GB" sz="1200" dirty="0" smtClean="0"/>
-              <a:t>Server</a:t>
-            </a:r>
-            <a:endParaRPr lang="en-GB" sz="1200" dirty="0"/>
-          </a:p>
-        </p:txBody>
-      </p:sp>
       <p:cxnSp>
         <p:nvCxnSpPr>
           <p:cNvPr id="32" name="Straight Arrow Connector 31"/>
@@ -3842,8 +3560,8 @@
         </p:nvCxnSpPr>
         <p:spPr>
           <a:xfrm flipH="1">
-            <a:off x="5580112" y="4293096"/>
-            <a:ext cx="648072" cy="360040"/>
+            <a:off x="6156176" y="3501008"/>
+            <a:ext cx="864096" cy="1080120"/>
           </a:xfrm>
           <a:prstGeom prst="straightConnector1">
             <a:avLst/>
@@ -3875,7 +3593,7 @@
         </p:nvSpPr>
         <p:spPr>
           <a:xfrm>
-            <a:off x="3347864" y="620688"/>
+            <a:off x="3923928" y="476672"/>
             <a:ext cx="1440160" cy="720080"/>
           </a:xfrm>
           <a:prstGeom prst="roundRect">
@@ -3942,8 +3660,8 @@
         </p:nvSpPr>
         <p:spPr>
           <a:xfrm>
-            <a:off x="3923928" y="1124744"/>
-            <a:ext cx="216024" cy="720080"/>
+            <a:off x="4499992" y="980728"/>
+            <a:ext cx="216024" cy="792088"/>
           </a:xfrm>
           <a:prstGeom prst="upDownArrow">
             <a:avLst/>
@@ -3987,7 +3705,7 @@
         </p:nvSpPr>
         <p:spPr>
           <a:xfrm>
-            <a:off x="251520" y="1988840"/>
+            <a:off x="755576" y="2924944"/>
             <a:ext cx="1368152" cy="1224136"/>
           </a:xfrm>
           <a:prstGeom prst="ellipse">
@@ -4039,138 +3757,8 @@
         </p:nvCxnSpPr>
         <p:spPr>
           <a:xfrm flipV="1">
-            <a:off x="935596" y="1628800"/>
-            <a:ext cx="1476164" cy="360040"/>
-          </a:xfrm>
-          <a:prstGeom prst="line">
-            <a:avLst/>
-          </a:prstGeom>
-          <a:ln w="28575">
-            <a:solidFill>
-              <a:schemeClr val="bg1">
-                <a:lumMod val="85000"/>
-              </a:schemeClr>
-            </a:solidFill>
-            <a:prstDash val="dash"/>
-          </a:ln>
-        </p:spPr>
-        <p:style>
-          <a:lnRef idx="1">
-            <a:schemeClr val="accent1"/>
-          </a:lnRef>
-          <a:fillRef idx="0">
-            <a:schemeClr val="accent1"/>
-          </a:fillRef>
-          <a:effectRef idx="0">
-            <a:schemeClr val="accent1"/>
-          </a:effectRef>
-          <a:fontRef idx="minor">
-            <a:schemeClr val="tx1"/>
-          </a:fontRef>
-        </p:style>
-      </p:cxnSp>
-      <p:cxnSp>
-        <p:nvCxnSpPr>
-          <p:cNvPr id="40" name="Straight Connector 39"/>
-          <p:cNvCxnSpPr>
-            <a:stCxn id="36" idx="4"/>
-          </p:cNvCxnSpPr>
-          <p:nvPr/>
-        </p:nvCxnSpPr>
-        <p:spPr>
-          <a:xfrm>
-            <a:off x="935596" y="3212976"/>
-            <a:ext cx="1548172" cy="216024"/>
-          </a:xfrm>
-          <a:prstGeom prst="line">
-            <a:avLst/>
-          </a:prstGeom>
-          <a:ln w="28575">
-            <a:solidFill>
-              <a:schemeClr val="bg1">
-                <a:lumMod val="85000"/>
-              </a:schemeClr>
-            </a:solidFill>
-            <a:prstDash val="dash"/>
-          </a:ln>
-        </p:spPr>
-        <p:style>
-          <a:lnRef idx="1">
-            <a:schemeClr val="accent1"/>
-          </a:lnRef>
-          <a:fillRef idx="0">
-            <a:schemeClr val="accent1"/>
-          </a:fillRef>
-          <a:effectRef idx="0">
-            <a:schemeClr val="accent1"/>
-          </a:effectRef>
-          <a:fontRef idx="minor">
-            <a:schemeClr val="tx1"/>
-          </a:fontRef>
-        </p:style>
-      </p:cxnSp>
-      <p:sp>
-        <p:nvSpPr>
-          <p:cNvPr id="41" name="Oval 40"/>
-          <p:cNvSpPr/>
-          <p:nvPr/>
-        </p:nvSpPr>
-        <p:spPr>
-          <a:xfrm>
-            <a:off x="179512" y="4653136"/>
-            <a:ext cx="1368152" cy="1224136"/>
-          </a:xfrm>
-          <a:prstGeom prst="ellipse">
-            <a:avLst/>
-          </a:prstGeom>
-          <a:ln w="28575">
-            <a:solidFill>
-              <a:schemeClr val="bg1">
-                <a:lumMod val="85000"/>
-              </a:schemeClr>
-            </a:solidFill>
-            <a:prstDash val="solid"/>
-          </a:ln>
-        </p:spPr>
-        <p:style>
-          <a:lnRef idx="1">
-            <a:schemeClr val="accent1"/>
-          </a:lnRef>
-          <a:fillRef idx="0">
-            <a:schemeClr val="accent1"/>
-          </a:fillRef>
-          <a:effectRef idx="0">
-            <a:schemeClr val="accent1"/>
-          </a:effectRef>
-          <a:fontRef idx="minor">
-            <a:schemeClr val="tx1"/>
-          </a:fontRef>
-        </p:style>
-        <p:txBody>
-          <a:bodyPr rtlCol="0" anchor="ctr"/>
-          <a:lstStyle/>
-          <a:p>
-            <a:pPr algn="ctr"/>
-            <a:r>
-              <a:rPr lang="en-GB" sz="1600" dirty="0" smtClean="0"/>
-              <a:t>Single system process</a:t>
-            </a:r>
-            <a:endParaRPr lang="en-GB" sz="1600" dirty="0"/>
-          </a:p>
-        </p:txBody>
-      </p:sp>
-      <p:cxnSp>
-        <p:nvCxnSpPr>
-          <p:cNvPr id="42" name="Straight Connector 41"/>
-          <p:cNvCxnSpPr>
-            <a:stCxn id="41" idx="0"/>
-          </p:cNvCxnSpPr>
-          <p:nvPr/>
-        </p:nvCxnSpPr>
-        <p:spPr>
-          <a:xfrm flipV="1">
-            <a:off x="863588" y="4437112"/>
-            <a:ext cx="1476164" cy="216024"/>
+            <a:off x="1439652" y="1556792"/>
+            <a:ext cx="1548172" cy="1368152"/>
           </a:xfrm>
           <a:prstGeom prst="line">
             <a:avLst/>
@@ -4203,14 +3791,14 @@
         <p:nvCxnSpPr>
           <p:cNvPr id="43" name="Straight Connector 42"/>
           <p:cNvCxnSpPr>
-            <a:stCxn id="41" idx="4"/>
+            <a:stCxn id="36" idx="4"/>
           </p:cNvCxnSpPr>
           <p:nvPr/>
         </p:nvCxnSpPr>
         <p:spPr>
           <a:xfrm>
-            <a:off x="863588" y="5877272"/>
-            <a:ext cx="1476164" cy="144016"/>
+            <a:off x="1439652" y="4149080"/>
+            <a:ext cx="1548172" cy="1512168"/>
           </a:xfrm>
           <a:prstGeom prst="line">
             <a:avLst/>
@@ -4239,15 +3827,288 @@
           </a:fontRef>
         </p:style>
       </p:cxnSp>
-      <p:sp>
-        <p:nvSpPr>
-          <p:cNvPr id="46" name="TextBox 45"/>
+      <p:cxnSp>
+        <p:nvCxnSpPr>
+          <p:cNvPr id="55" name="Straight Connector 54"/>
+          <p:cNvCxnSpPr/>
+          <p:nvPr/>
+        </p:nvCxnSpPr>
+        <p:spPr>
+          <a:xfrm flipV="1">
+            <a:off x="3419872" y="2636912"/>
+            <a:ext cx="0" cy="1944216"/>
+          </a:xfrm>
+          <a:prstGeom prst="line">
+            <a:avLst/>
+          </a:prstGeom>
+          <a:ln w="19050">
+            <a:solidFill>
+              <a:schemeClr val="bg1">
+                <a:lumMod val="50000"/>
+              </a:schemeClr>
+            </a:solidFill>
+            <a:prstDash val="dash"/>
+          </a:ln>
+        </p:spPr>
+        <p:style>
+          <a:lnRef idx="1">
+            <a:schemeClr val="accent1"/>
+          </a:lnRef>
+          <a:fillRef idx="0">
+            <a:schemeClr val="accent1"/>
+          </a:fillRef>
+          <a:effectRef idx="0">
+            <a:schemeClr val="accent1"/>
+          </a:effectRef>
+          <a:fontRef idx="minor">
+            <a:schemeClr val="tx1"/>
+          </a:fontRef>
+        </p:style>
+      </p:cxnSp>
+      <p:cxnSp>
+        <p:nvCxnSpPr>
+          <p:cNvPr id="56" name="Straight Connector 55"/>
+          <p:cNvCxnSpPr/>
+          <p:nvPr/>
+        </p:nvCxnSpPr>
+        <p:spPr>
+          <a:xfrm flipV="1">
+            <a:off x="4067944" y="2564904"/>
+            <a:ext cx="0" cy="2016224"/>
+          </a:xfrm>
+          <a:prstGeom prst="line">
+            <a:avLst/>
+          </a:prstGeom>
+          <a:ln w="19050">
+            <a:solidFill>
+              <a:schemeClr val="bg1">
+                <a:lumMod val="50000"/>
+              </a:schemeClr>
+            </a:solidFill>
+            <a:prstDash val="dash"/>
+          </a:ln>
+        </p:spPr>
+        <p:style>
+          <a:lnRef idx="1">
+            <a:schemeClr val="accent1"/>
+          </a:lnRef>
+          <a:fillRef idx="0">
+            <a:schemeClr val="accent1"/>
+          </a:fillRef>
+          <a:effectRef idx="0">
+            <a:schemeClr val="accent1"/>
+          </a:effectRef>
+          <a:fontRef idx="minor">
+            <a:schemeClr val="tx1"/>
+          </a:fontRef>
+        </p:style>
+      </p:cxnSp>
+      <p:cxnSp>
+        <p:nvCxnSpPr>
+          <p:cNvPr id="58" name="Straight Connector 57"/>
+          <p:cNvCxnSpPr/>
+          <p:nvPr/>
+        </p:nvCxnSpPr>
+        <p:spPr>
+          <a:xfrm flipV="1">
+            <a:off x="4355976" y="2636912"/>
+            <a:ext cx="0" cy="1944216"/>
+          </a:xfrm>
+          <a:prstGeom prst="line">
+            <a:avLst/>
+          </a:prstGeom>
+          <a:ln w="19050">
+            <a:solidFill>
+              <a:schemeClr val="bg1">
+                <a:lumMod val="50000"/>
+              </a:schemeClr>
+            </a:solidFill>
+            <a:prstDash val="dash"/>
+          </a:ln>
+        </p:spPr>
+        <p:style>
+          <a:lnRef idx="1">
+            <a:schemeClr val="accent1"/>
+          </a:lnRef>
+          <a:fillRef idx="0">
+            <a:schemeClr val="accent1"/>
+          </a:fillRef>
+          <a:effectRef idx="0">
+            <a:schemeClr val="accent1"/>
+          </a:effectRef>
+          <a:fontRef idx="minor">
+            <a:schemeClr val="tx1"/>
+          </a:fontRef>
+        </p:style>
+      </p:cxnSp>
+      <p:cxnSp>
+        <p:nvCxnSpPr>
+          <p:cNvPr id="60" name="Straight Connector 59"/>
+          <p:cNvCxnSpPr/>
+          <p:nvPr/>
+        </p:nvCxnSpPr>
+        <p:spPr>
+          <a:xfrm flipV="1">
+            <a:off x="5076056" y="2636912"/>
+            <a:ext cx="0" cy="1944216"/>
+          </a:xfrm>
+          <a:prstGeom prst="line">
+            <a:avLst/>
+          </a:prstGeom>
+          <a:ln w="19050">
+            <a:solidFill>
+              <a:schemeClr val="bg1">
+                <a:lumMod val="50000"/>
+              </a:schemeClr>
+            </a:solidFill>
+            <a:prstDash val="dash"/>
+          </a:ln>
+        </p:spPr>
+        <p:style>
+          <a:lnRef idx="1">
+            <a:schemeClr val="accent1"/>
+          </a:lnRef>
+          <a:fillRef idx="0">
+            <a:schemeClr val="accent1"/>
+          </a:fillRef>
+          <a:effectRef idx="0">
+            <a:schemeClr val="accent1"/>
+          </a:effectRef>
+          <a:fontRef idx="minor">
+            <a:schemeClr val="tx1"/>
+          </a:fontRef>
+        </p:style>
+      </p:cxnSp>
+      <p:cxnSp>
+        <p:nvCxnSpPr>
+          <p:cNvPr id="66" name="Straight Connector 65"/>
+          <p:cNvCxnSpPr/>
+          <p:nvPr/>
+        </p:nvCxnSpPr>
+        <p:spPr>
+          <a:xfrm flipV="1">
+            <a:off x="5292080" y="2636912"/>
+            <a:ext cx="0" cy="1944216"/>
+          </a:xfrm>
+          <a:prstGeom prst="line">
+            <a:avLst/>
+          </a:prstGeom>
+          <a:ln w="19050">
+            <a:solidFill>
+              <a:schemeClr val="bg1">
+                <a:lumMod val="50000"/>
+              </a:schemeClr>
+            </a:solidFill>
+            <a:prstDash val="dash"/>
+          </a:ln>
+        </p:spPr>
+        <p:style>
+          <a:lnRef idx="1">
+            <a:schemeClr val="accent1"/>
+          </a:lnRef>
+          <a:fillRef idx="0">
+            <a:schemeClr val="accent1"/>
+          </a:fillRef>
+          <a:effectRef idx="0">
+            <a:schemeClr val="accent1"/>
+          </a:effectRef>
+          <a:fontRef idx="minor">
+            <a:schemeClr val="tx1"/>
+          </a:fontRef>
+        </p:style>
+      </p:cxnSp>
+      <p:cxnSp>
+        <p:nvCxnSpPr>
+          <p:cNvPr id="67" name="Straight Connector 66"/>
+          <p:cNvCxnSpPr/>
+          <p:nvPr/>
+        </p:nvCxnSpPr>
+        <p:spPr>
+          <a:xfrm flipV="1">
+            <a:off x="6084168" y="2636912"/>
+            <a:ext cx="0" cy="1944216"/>
+          </a:xfrm>
+          <a:prstGeom prst="line">
+            <a:avLst/>
+          </a:prstGeom>
+          <a:ln w="19050">
+            <a:solidFill>
+              <a:schemeClr val="bg1">
+                <a:lumMod val="50000"/>
+              </a:schemeClr>
+            </a:solidFill>
+            <a:prstDash val="dash"/>
+          </a:ln>
+        </p:spPr>
+        <p:style>
+          <a:lnRef idx="1">
+            <a:schemeClr val="accent1"/>
+          </a:lnRef>
+          <a:fillRef idx="0">
+            <a:schemeClr val="accent1"/>
+          </a:fillRef>
+          <a:effectRef idx="0">
+            <a:schemeClr val="accent1"/>
+          </a:effectRef>
+          <a:fontRef idx="minor">
+            <a:schemeClr val="tx1"/>
+          </a:fontRef>
+        </p:style>
+      </p:cxnSp>
+      <p:sp>
+        <p:nvSpPr>
+          <p:cNvPr id="24" name="Rectangle 23"/>
+          <p:cNvSpPr/>
+          <p:nvPr/>
+        </p:nvSpPr>
+        <p:spPr>
+          <a:xfrm>
+            <a:off x="3275856" y="3717032"/>
+            <a:ext cx="2880320" cy="504056"/>
+          </a:xfrm>
+          <a:prstGeom prst="rect">
+            <a:avLst/>
+          </a:prstGeom>
+          <a:ln w="19050">
+            <a:prstDash val="dash"/>
+          </a:ln>
+        </p:spPr>
+        <p:style>
+          <a:lnRef idx="2">
+            <a:schemeClr val="dk1"/>
+          </a:lnRef>
+          <a:fillRef idx="1">
+            <a:schemeClr val="lt1"/>
+          </a:fillRef>
+          <a:effectRef idx="0">
+            <a:schemeClr val="dk1"/>
+          </a:effectRef>
+          <a:fontRef idx="minor">
+            <a:schemeClr val="dk1"/>
+          </a:fontRef>
+        </p:style>
+        <p:txBody>
+          <a:bodyPr rtlCol="0" anchor="b"/>
+          <a:lstStyle/>
+          <a:p>
+            <a:pPr algn="ctr"/>
+            <a:r>
+              <a:rPr lang="en-GB" sz="1200" b="1" dirty="0" smtClean="0"/>
+              <a:t>Media server interface</a:t>
+            </a:r>
+            <a:endParaRPr lang="en-GB" sz="1200" b="1" dirty="0"/>
+          </a:p>
+        </p:txBody>
+      </p:sp>
+      <p:sp>
+        <p:nvSpPr>
+          <p:cNvPr id="86" name="TextBox 85"/>
           <p:cNvSpPr txBox="1"/>
           <p:nvPr/>
         </p:nvSpPr>
         <p:spPr>
           <a:xfrm>
-            <a:off x="251520" y="3573016"/>
+            <a:off x="467544" y="4797152"/>
             <a:ext cx="1726807" cy="646331"/>
           </a:xfrm>
           <a:prstGeom prst="rect">
@@ -4263,9 +4124,8 @@
           <a:p>
             <a:r>
               <a:rPr lang="en-GB" sz="1200" dirty="0" smtClean="0"/>
-              <a:t>Identical restart / error-handling logic within-applications</a:t>
-            </a:r>
-            <a:endParaRPr lang="en-GB" sz="1200" dirty="0"/>
+              <a:t>System process also monitors other machines in the cluster</a:t>
+            </a:r>
           </a:p>
         </p:txBody>
       </p:sp>

--- a/Docs/high_level_arch.pptx
+++ b/Docs/high_level_arch.pptx
@@ -4,8 +4,15 @@
   <p:sldMasterIdLst>
     <p:sldMasterId id="2147483648" r:id="rId1"/>
   </p:sldMasterIdLst>
+  <p:notesMasterIdLst>
+    <p:notesMasterId r:id="rId4"/>
+  </p:notesMasterIdLst>
+  <p:handoutMasterIdLst>
+    <p:handoutMasterId r:id="rId5"/>
+  </p:handoutMasterIdLst>
   <p:sldIdLst>
-    <p:sldId id="256" r:id="rId2"/>
+    <p:sldId id="257" r:id="rId2"/>
+    <p:sldId id="256" r:id="rId3"/>
   </p:sldIdLst>
   <p:sldSz cx="9144000" cy="6858000" type="screen4x3"/>
   <p:notesSz cx="6858000" cy="9144000"/>
@@ -107,6 +114,596 @@
 </p:presentation>
 </file>
 
+<file path=ppt/handoutMasters/handoutMaster1.xml><?xml version="1.0" encoding="utf-8"?>
+<p:handoutMaster xmlns:a="http://schemas.openxmlformats.org/drawingml/2006/main" xmlns:r="http://schemas.openxmlformats.org/officeDocument/2006/relationships" xmlns:p="http://schemas.openxmlformats.org/presentationml/2006/main">
+  <p:cSld>
+    <p:bg>
+      <p:bgRef idx="1001">
+        <a:schemeClr val="bg1"/>
+      </p:bgRef>
+    </p:bg>
+    <p:spTree>
+      <p:nvGrpSpPr>
+        <p:cNvPr id="1" name=""/>
+        <p:cNvGrpSpPr/>
+        <p:nvPr/>
+      </p:nvGrpSpPr>
+      <p:grpSpPr>
+        <a:xfrm>
+          <a:off x="0" y="0"/>
+          <a:ext cx="0" cy="0"/>
+          <a:chOff x="0" y="0"/>
+          <a:chExt cx="0" cy="0"/>
+        </a:xfrm>
+      </p:grpSpPr>
+      <p:sp>
+        <p:nvSpPr>
+          <p:cNvPr id="2" name="Header Placeholder 1"/>
+          <p:cNvSpPr>
+            <a:spLocks noGrp="1"/>
+          </p:cNvSpPr>
+          <p:nvPr>
+            <p:ph type="hdr" sz="quarter"/>
+          </p:nvPr>
+        </p:nvSpPr>
+        <p:spPr>
+          <a:xfrm>
+            <a:off x="0" y="0"/>
+            <a:ext cx="2971800" cy="457200"/>
+          </a:xfrm>
+          <a:prstGeom prst="rect">
+            <a:avLst/>
+          </a:prstGeom>
+        </p:spPr>
+        <p:txBody>
+          <a:bodyPr vert="horz" lIns="91440" tIns="45720" rIns="91440" bIns="45720" rtlCol="0"/>
+          <a:lstStyle>
+            <a:lvl1pPr algn="l">
+              <a:defRPr sz="1200"/>
+            </a:lvl1pPr>
+          </a:lstStyle>
+          <a:p>
+            <a:endParaRPr lang="en-GB"/>
+          </a:p>
+        </p:txBody>
+      </p:sp>
+      <p:sp>
+        <p:nvSpPr>
+          <p:cNvPr id="3" name="Date Placeholder 2"/>
+          <p:cNvSpPr>
+            <a:spLocks noGrp="1"/>
+          </p:cNvSpPr>
+          <p:nvPr>
+            <p:ph type="dt" sz="quarter" idx="1"/>
+          </p:nvPr>
+        </p:nvSpPr>
+        <p:spPr>
+          <a:xfrm>
+            <a:off x="3884613" y="0"/>
+            <a:ext cx="2971800" cy="457200"/>
+          </a:xfrm>
+          <a:prstGeom prst="rect">
+            <a:avLst/>
+          </a:prstGeom>
+        </p:spPr>
+        <p:txBody>
+          <a:bodyPr vert="horz" lIns="91440" tIns="45720" rIns="91440" bIns="45720" rtlCol="0"/>
+          <a:lstStyle>
+            <a:lvl1pPr algn="r">
+              <a:defRPr sz="1200"/>
+            </a:lvl1pPr>
+          </a:lstStyle>
+          <a:p>
+            <a:fld id="{669AE017-EA31-4482-B812-CEB6A1C0383D}" type="datetimeFigureOut">
+              <a:rPr lang="en-GB" smtClean="0"/>
+              <a:pPr/>
+              <a:t>18/09/2012</a:t>
+            </a:fld>
+            <a:endParaRPr lang="en-GB"/>
+          </a:p>
+        </p:txBody>
+      </p:sp>
+      <p:sp>
+        <p:nvSpPr>
+          <p:cNvPr id="4" name="Footer Placeholder 3"/>
+          <p:cNvSpPr>
+            <a:spLocks noGrp="1"/>
+          </p:cNvSpPr>
+          <p:nvPr>
+            <p:ph type="ftr" sz="quarter" idx="2"/>
+          </p:nvPr>
+        </p:nvSpPr>
+        <p:spPr>
+          <a:xfrm>
+            <a:off x="0" y="8685213"/>
+            <a:ext cx="2971800" cy="457200"/>
+          </a:xfrm>
+          <a:prstGeom prst="rect">
+            <a:avLst/>
+          </a:prstGeom>
+        </p:spPr>
+        <p:txBody>
+          <a:bodyPr vert="horz" lIns="91440" tIns="45720" rIns="91440" bIns="45720" rtlCol="0" anchor="b"/>
+          <a:lstStyle>
+            <a:lvl1pPr algn="l">
+              <a:defRPr sz="1200"/>
+            </a:lvl1pPr>
+          </a:lstStyle>
+          <a:p>
+            <a:endParaRPr lang="en-GB"/>
+          </a:p>
+        </p:txBody>
+      </p:sp>
+      <p:sp>
+        <p:nvSpPr>
+          <p:cNvPr id="5" name="Slide Number Placeholder 4"/>
+          <p:cNvSpPr>
+            <a:spLocks noGrp="1"/>
+          </p:cNvSpPr>
+          <p:nvPr>
+            <p:ph type="sldNum" sz="quarter" idx="3"/>
+          </p:nvPr>
+        </p:nvSpPr>
+        <p:spPr>
+          <a:xfrm>
+            <a:off x="3884613" y="8685213"/>
+            <a:ext cx="2971800" cy="457200"/>
+          </a:xfrm>
+          <a:prstGeom prst="rect">
+            <a:avLst/>
+          </a:prstGeom>
+        </p:spPr>
+        <p:txBody>
+          <a:bodyPr vert="horz" lIns="91440" tIns="45720" rIns="91440" bIns="45720" rtlCol="0" anchor="b"/>
+          <a:lstStyle>
+            <a:lvl1pPr algn="r">
+              <a:defRPr sz="1200"/>
+            </a:lvl1pPr>
+          </a:lstStyle>
+          <a:p>
+            <a:fld id="{7C3DE882-731A-4FEA-9286-BFC85B2F0002}" type="slidenum">
+              <a:rPr lang="en-GB" smtClean="0"/>
+              <a:pPr/>
+              <a:t>‹#›</a:t>
+            </a:fld>
+            <a:endParaRPr lang="en-GB"/>
+          </a:p>
+        </p:txBody>
+      </p:sp>
+    </p:spTree>
+  </p:cSld>
+  <p:clrMap bg1="lt1" tx1="dk1" bg2="lt2" tx2="dk2" accent1="accent1" accent2="accent2" accent3="accent3" accent4="accent4" accent5="accent5" accent6="accent6" hlink="hlink" folHlink="folHlink"/>
+</p:handoutMaster>
+</file>
+
+<file path=ppt/notesMasters/notesMaster1.xml><?xml version="1.0" encoding="utf-8"?>
+<p:notesMaster xmlns:a="http://schemas.openxmlformats.org/drawingml/2006/main" xmlns:r="http://schemas.openxmlformats.org/officeDocument/2006/relationships" xmlns:p="http://schemas.openxmlformats.org/presentationml/2006/main">
+  <p:cSld>
+    <p:bg>
+      <p:bgRef idx="1001">
+        <a:schemeClr val="bg1"/>
+      </p:bgRef>
+    </p:bg>
+    <p:spTree>
+      <p:nvGrpSpPr>
+        <p:cNvPr id="1" name=""/>
+        <p:cNvGrpSpPr/>
+        <p:nvPr/>
+      </p:nvGrpSpPr>
+      <p:grpSpPr>
+        <a:xfrm>
+          <a:off x="0" y="0"/>
+          <a:ext cx="0" cy="0"/>
+          <a:chOff x="0" y="0"/>
+          <a:chExt cx="0" cy="0"/>
+        </a:xfrm>
+      </p:grpSpPr>
+      <p:sp>
+        <p:nvSpPr>
+          <p:cNvPr id="2" name="Header Placeholder 1"/>
+          <p:cNvSpPr>
+            <a:spLocks noGrp="1"/>
+          </p:cNvSpPr>
+          <p:nvPr>
+            <p:ph type="hdr" sz="quarter"/>
+          </p:nvPr>
+        </p:nvSpPr>
+        <p:spPr>
+          <a:xfrm>
+            <a:off x="0" y="0"/>
+            <a:ext cx="2971800" cy="457200"/>
+          </a:xfrm>
+          <a:prstGeom prst="rect">
+            <a:avLst/>
+          </a:prstGeom>
+        </p:spPr>
+        <p:txBody>
+          <a:bodyPr vert="horz" lIns="91440" tIns="45720" rIns="91440" bIns="45720" rtlCol="0"/>
+          <a:lstStyle>
+            <a:lvl1pPr algn="l">
+              <a:defRPr sz="1200"/>
+            </a:lvl1pPr>
+          </a:lstStyle>
+          <a:p>
+            <a:endParaRPr lang="en-GB"/>
+          </a:p>
+        </p:txBody>
+      </p:sp>
+      <p:sp>
+        <p:nvSpPr>
+          <p:cNvPr id="3" name="Date Placeholder 2"/>
+          <p:cNvSpPr>
+            <a:spLocks noGrp="1"/>
+          </p:cNvSpPr>
+          <p:nvPr>
+            <p:ph type="dt" idx="1"/>
+          </p:nvPr>
+        </p:nvSpPr>
+        <p:spPr>
+          <a:xfrm>
+            <a:off x="3884613" y="0"/>
+            <a:ext cx="2971800" cy="457200"/>
+          </a:xfrm>
+          <a:prstGeom prst="rect">
+            <a:avLst/>
+          </a:prstGeom>
+        </p:spPr>
+        <p:txBody>
+          <a:bodyPr vert="horz" lIns="91440" tIns="45720" rIns="91440" bIns="45720" rtlCol="0"/>
+          <a:lstStyle>
+            <a:lvl1pPr algn="r">
+              <a:defRPr sz="1200"/>
+            </a:lvl1pPr>
+          </a:lstStyle>
+          <a:p>
+            <a:fld id="{FA3023AE-88DD-46F2-B53D-2E1126BD6DC7}" type="datetimeFigureOut">
+              <a:rPr lang="en-GB" smtClean="0"/>
+              <a:t>18/09/2012</a:t>
+            </a:fld>
+            <a:endParaRPr lang="en-GB"/>
+          </a:p>
+        </p:txBody>
+      </p:sp>
+      <p:sp>
+        <p:nvSpPr>
+          <p:cNvPr id="4" name="Slide Image Placeholder 3"/>
+          <p:cNvSpPr>
+            <a:spLocks noGrp="1" noRot="1" noChangeAspect="1"/>
+          </p:cNvSpPr>
+          <p:nvPr>
+            <p:ph type="sldImg" idx="2"/>
+          </p:nvPr>
+        </p:nvSpPr>
+        <p:spPr>
+          <a:xfrm>
+            <a:off x="1143000" y="685800"/>
+            <a:ext cx="4572000" cy="3429000"/>
+          </a:xfrm>
+          <a:prstGeom prst="rect">
+            <a:avLst/>
+          </a:prstGeom>
+          <a:noFill/>
+          <a:ln w="12700">
+            <a:solidFill>
+              <a:prstClr val="black"/>
+            </a:solidFill>
+          </a:ln>
+        </p:spPr>
+        <p:txBody>
+          <a:bodyPr vert="horz" lIns="91440" tIns="45720" rIns="91440" bIns="45720" rtlCol="0" anchor="ctr"/>
+          <a:lstStyle/>
+          <a:p>
+            <a:endParaRPr lang="en-GB"/>
+          </a:p>
+        </p:txBody>
+      </p:sp>
+      <p:sp>
+        <p:nvSpPr>
+          <p:cNvPr id="5" name="Notes Placeholder 4"/>
+          <p:cNvSpPr>
+            <a:spLocks noGrp="1"/>
+          </p:cNvSpPr>
+          <p:nvPr>
+            <p:ph type="body" sz="quarter" idx="3"/>
+          </p:nvPr>
+        </p:nvSpPr>
+        <p:spPr>
+          <a:xfrm>
+            <a:off x="685800" y="4343400"/>
+            <a:ext cx="5486400" cy="4114800"/>
+          </a:xfrm>
+          <a:prstGeom prst="rect">
+            <a:avLst/>
+          </a:prstGeom>
+        </p:spPr>
+        <p:txBody>
+          <a:bodyPr vert="horz" lIns="91440" tIns="45720" rIns="91440" bIns="45720" rtlCol="0">
+            <a:normAutofit/>
+          </a:bodyPr>
+          <a:lstStyle/>
+          <a:p>
+            <a:pPr lvl="0"/>
+            <a:r>
+              <a:rPr lang="en-US" smtClean="0"/>
+              <a:t>Click to edit Master text styles</a:t>
+            </a:r>
+          </a:p>
+          <a:p>
+            <a:pPr lvl="1"/>
+            <a:r>
+              <a:rPr lang="en-US" smtClean="0"/>
+              <a:t>Second level</a:t>
+            </a:r>
+          </a:p>
+          <a:p>
+            <a:pPr lvl="2"/>
+            <a:r>
+              <a:rPr lang="en-US" smtClean="0"/>
+              <a:t>Third level</a:t>
+            </a:r>
+          </a:p>
+          <a:p>
+            <a:pPr lvl="3"/>
+            <a:r>
+              <a:rPr lang="en-US" smtClean="0"/>
+              <a:t>Fourth level</a:t>
+            </a:r>
+          </a:p>
+          <a:p>
+            <a:pPr lvl="4"/>
+            <a:r>
+              <a:rPr lang="en-US" smtClean="0"/>
+              <a:t>Fifth level</a:t>
+            </a:r>
+            <a:endParaRPr lang="en-GB"/>
+          </a:p>
+        </p:txBody>
+      </p:sp>
+      <p:sp>
+        <p:nvSpPr>
+          <p:cNvPr id="6" name="Footer Placeholder 5"/>
+          <p:cNvSpPr>
+            <a:spLocks noGrp="1"/>
+          </p:cNvSpPr>
+          <p:nvPr>
+            <p:ph type="ftr" sz="quarter" idx="4"/>
+          </p:nvPr>
+        </p:nvSpPr>
+        <p:spPr>
+          <a:xfrm>
+            <a:off x="0" y="8685213"/>
+            <a:ext cx="2971800" cy="457200"/>
+          </a:xfrm>
+          <a:prstGeom prst="rect">
+            <a:avLst/>
+          </a:prstGeom>
+        </p:spPr>
+        <p:txBody>
+          <a:bodyPr vert="horz" lIns="91440" tIns="45720" rIns="91440" bIns="45720" rtlCol="0" anchor="b"/>
+          <a:lstStyle>
+            <a:lvl1pPr algn="l">
+              <a:defRPr sz="1200"/>
+            </a:lvl1pPr>
+          </a:lstStyle>
+          <a:p>
+            <a:endParaRPr lang="en-GB"/>
+          </a:p>
+        </p:txBody>
+      </p:sp>
+      <p:sp>
+        <p:nvSpPr>
+          <p:cNvPr id="7" name="Slide Number Placeholder 6"/>
+          <p:cNvSpPr>
+            <a:spLocks noGrp="1"/>
+          </p:cNvSpPr>
+          <p:nvPr>
+            <p:ph type="sldNum" sz="quarter" idx="5"/>
+          </p:nvPr>
+        </p:nvSpPr>
+        <p:spPr>
+          <a:xfrm>
+            <a:off x="3884613" y="8685213"/>
+            <a:ext cx="2971800" cy="457200"/>
+          </a:xfrm>
+          <a:prstGeom prst="rect">
+            <a:avLst/>
+          </a:prstGeom>
+        </p:spPr>
+        <p:txBody>
+          <a:bodyPr vert="horz" lIns="91440" tIns="45720" rIns="91440" bIns="45720" rtlCol="0" anchor="b"/>
+          <a:lstStyle>
+            <a:lvl1pPr algn="r">
+              <a:defRPr sz="1200"/>
+            </a:lvl1pPr>
+          </a:lstStyle>
+          <a:p>
+            <a:fld id="{01B77790-576B-4684-84DC-D12DBE205FE7}" type="slidenum">
+              <a:rPr lang="en-GB" smtClean="0"/>
+              <a:t>‹#›</a:t>
+            </a:fld>
+            <a:endParaRPr lang="en-GB"/>
+          </a:p>
+        </p:txBody>
+      </p:sp>
+    </p:spTree>
+  </p:cSld>
+  <p:clrMap bg1="lt1" tx1="dk1" bg2="lt2" tx2="dk2" accent1="accent1" accent2="accent2" accent3="accent3" accent4="accent4" accent5="accent5" accent6="accent6" hlink="hlink" folHlink="folHlink"/>
+  <p:notesStyle>
+    <a:lvl1pPr marL="0" algn="l" defTabSz="914400" rtl="0" eaLnBrk="1" latinLnBrk="0" hangingPunct="1">
+      <a:defRPr sz="1200" kern="1200">
+        <a:solidFill>
+          <a:schemeClr val="tx1"/>
+        </a:solidFill>
+        <a:latin typeface="+mn-lt"/>
+        <a:ea typeface="+mn-ea"/>
+        <a:cs typeface="+mn-cs"/>
+      </a:defRPr>
+    </a:lvl1pPr>
+    <a:lvl2pPr marL="457200" algn="l" defTabSz="914400" rtl="0" eaLnBrk="1" latinLnBrk="0" hangingPunct="1">
+      <a:defRPr sz="1200" kern="1200">
+        <a:solidFill>
+          <a:schemeClr val="tx1"/>
+        </a:solidFill>
+        <a:latin typeface="+mn-lt"/>
+        <a:ea typeface="+mn-ea"/>
+        <a:cs typeface="+mn-cs"/>
+      </a:defRPr>
+    </a:lvl2pPr>
+    <a:lvl3pPr marL="914400" algn="l" defTabSz="914400" rtl="0" eaLnBrk="1" latinLnBrk="0" hangingPunct="1">
+      <a:defRPr sz="1200" kern="1200">
+        <a:solidFill>
+          <a:schemeClr val="tx1"/>
+        </a:solidFill>
+        <a:latin typeface="+mn-lt"/>
+        <a:ea typeface="+mn-ea"/>
+        <a:cs typeface="+mn-cs"/>
+      </a:defRPr>
+    </a:lvl3pPr>
+    <a:lvl4pPr marL="1371600" algn="l" defTabSz="914400" rtl="0" eaLnBrk="1" latinLnBrk="0" hangingPunct="1">
+      <a:defRPr sz="1200" kern="1200">
+        <a:solidFill>
+          <a:schemeClr val="tx1"/>
+        </a:solidFill>
+        <a:latin typeface="+mn-lt"/>
+        <a:ea typeface="+mn-ea"/>
+        <a:cs typeface="+mn-cs"/>
+      </a:defRPr>
+    </a:lvl4pPr>
+    <a:lvl5pPr marL="1828800" algn="l" defTabSz="914400" rtl="0" eaLnBrk="1" latinLnBrk="0" hangingPunct="1">
+      <a:defRPr sz="1200" kern="1200">
+        <a:solidFill>
+          <a:schemeClr val="tx1"/>
+        </a:solidFill>
+        <a:latin typeface="+mn-lt"/>
+        <a:ea typeface="+mn-ea"/>
+        <a:cs typeface="+mn-cs"/>
+      </a:defRPr>
+    </a:lvl5pPr>
+    <a:lvl6pPr marL="2286000" algn="l" defTabSz="914400" rtl="0" eaLnBrk="1" latinLnBrk="0" hangingPunct="1">
+      <a:defRPr sz="1200" kern="1200">
+        <a:solidFill>
+          <a:schemeClr val="tx1"/>
+        </a:solidFill>
+        <a:latin typeface="+mn-lt"/>
+        <a:ea typeface="+mn-ea"/>
+        <a:cs typeface="+mn-cs"/>
+      </a:defRPr>
+    </a:lvl6pPr>
+    <a:lvl7pPr marL="2743200" algn="l" defTabSz="914400" rtl="0" eaLnBrk="1" latinLnBrk="0" hangingPunct="1">
+      <a:defRPr sz="1200" kern="1200">
+        <a:solidFill>
+          <a:schemeClr val="tx1"/>
+        </a:solidFill>
+        <a:latin typeface="+mn-lt"/>
+        <a:ea typeface="+mn-ea"/>
+        <a:cs typeface="+mn-cs"/>
+      </a:defRPr>
+    </a:lvl7pPr>
+    <a:lvl8pPr marL="3200400" algn="l" defTabSz="914400" rtl="0" eaLnBrk="1" latinLnBrk="0" hangingPunct="1">
+      <a:defRPr sz="1200" kern="1200">
+        <a:solidFill>
+          <a:schemeClr val="tx1"/>
+        </a:solidFill>
+        <a:latin typeface="+mn-lt"/>
+        <a:ea typeface="+mn-ea"/>
+        <a:cs typeface="+mn-cs"/>
+      </a:defRPr>
+    </a:lvl8pPr>
+    <a:lvl9pPr marL="3657600" algn="l" defTabSz="914400" rtl="0" eaLnBrk="1" latinLnBrk="0" hangingPunct="1">
+      <a:defRPr sz="1200" kern="1200">
+        <a:solidFill>
+          <a:schemeClr val="tx1"/>
+        </a:solidFill>
+        <a:latin typeface="+mn-lt"/>
+        <a:ea typeface="+mn-ea"/>
+        <a:cs typeface="+mn-cs"/>
+      </a:defRPr>
+    </a:lvl9pPr>
+  </p:notesStyle>
+</p:notesMaster>
+</file>
+
+<file path=ppt/notesSlides/notesSlide1.xml><?xml version="1.0" encoding="utf-8"?>
+<p:notes xmlns:a="http://schemas.openxmlformats.org/drawingml/2006/main" xmlns:r="http://schemas.openxmlformats.org/officeDocument/2006/relationships" xmlns:p="http://schemas.openxmlformats.org/presentationml/2006/main">
+  <p:cSld>
+    <p:spTree>
+      <p:nvGrpSpPr>
+        <p:cNvPr id="1" name=""/>
+        <p:cNvGrpSpPr/>
+        <p:nvPr/>
+      </p:nvGrpSpPr>
+      <p:grpSpPr>
+        <a:xfrm>
+          <a:off x="0" y="0"/>
+          <a:ext cx="0" cy="0"/>
+          <a:chOff x="0" y="0"/>
+          <a:chExt cx="0" cy="0"/>
+        </a:xfrm>
+      </p:grpSpPr>
+      <p:sp>
+        <p:nvSpPr>
+          <p:cNvPr id="2" name="Slide Image Placeholder 1"/>
+          <p:cNvSpPr>
+            <a:spLocks noGrp="1" noRot="1" noChangeAspect="1"/>
+          </p:cNvSpPr>
+          <p:nvPr>
+            <p:ph type="sldImg"/>
+          </p:nvPr>
+        </p:nvSpPr>
+        <p:spPr/>
+      </p:sp>
+      <p:sp>
+        <p:nvSpPr>
+          <p:cNvPr id="3" name="Notes Placeholder 2"/>
+          <p:cNvSpPr>
+            <a:spLocks noGrp="1"/>
+          </p:cNvSpPr>
+          <p:nvPr>
+            <p:ph type="body" idx="1"/>
+          </p:nvPr>
+        </p:nvSpPr>
+        <p:spPr/>
+        <p:txBody>
+          <a:bodyPr>
+            <a:normAutofit/>
+          </a:bodyPr>
+          <a:lstStyle/>
+          <a:p>
+            <a:endParaRPr lang="en-GB"/>
+          </a:p>
+        </p:txBody>
+      </p:sp>
+      <p:sp>
+        <p:nvSpPr>
+          <p:cNvPr id="4" name="Slide Number Placeholder 3"/>
+          <p:cNvSpPr>
+            <a:spLocks noGrp="1"/>
+          </p:cNvSpPr>
+          <p:nvPr>
+            <p:ph type="sldNum" sz="quarter" idx="10"/>
+          </p:nvPr>
+        </p:nvSpPr>
+        <p:spPr/>
+        <p:txBody>
+          <a:bodyPr/>
+          <a:lstStyle/>
+          <a:p>
+            <a:fld id="{01B77790-576B-4684-84DC-D12DBE205FE7}" type="slidenum">
+              <a:rPr lang="en-GB" smtClean="0"/>
+              <a:t>1</a:t>
+            </a:fld>
+            <a:endParaRPr lang="en-GB"/>
+          </a:p>
+        </p:txBody>
+      </p:sp>
+    </p:spTree>
+  </p:cSld>
+  <p:clrMapOvr>
+    <a:masterClrMapping/>
+  </p:clrMapOvr>
+</p:notes>
+</file>
+
 <file path=ppt/slideLayouts/slideLayout1.xml><?xml version="1.0" encoding="utf-8"?>
 <p:sldLayout xmlns:a="http://schemas.openxmlformats.org/drawingml/2006/main" xmlns:r="http://schemas.openxmlformats.org/officeDocument/2006/relationships" xmlns:p="http://schemas.openxmlformats.org/presentationml/2006/main" type="title" preserve="1">
   <p:cSld name="Title Slide">
@@ -288,6 +885,7 @@
           <a:p>
             <a:fld id="{9EF7E26A-47D0-492F-9A92-50999D60802F}" type="datetimeFigureOut">
               <a:rPr lang="en-GB" smtClean="0"/>
+              <a:pPr/>
               <a:t>18/09/2012</a:t>
             </a:fld>
             <a:endParaRPr lang="en-GB"/>
@@ -330,6 +928,7 @@
           <a:p>
             <a:fld id="{10057389-C169-46FA-B018-578FCD691BFA}" type="slidenum">
               <a:rPr lang="en-GB" smtClean="0"/>
+              <a:pPr/>
               <a:t>‹#›</a:t>
             </a:fld>
             <a:endParaRPr lang="en-GB"/>
@@ -453,6 +1052,7 @@
           <a:p>
             <a:fld id="{9EF7E26A-47D0-492F-9A92-50999D60802F}" type="datetimeFigureOut">
               <a:rPr lang="en-GB" smtClean="0"/>
+              <a:pPr/>
               <a:t>18/09/2012</a:t>
             </a:fld>
             <a:endParaRPr lang="en-GB"/>
@@ -495,6 +1095,7 @@
           <a:p>
             <a:fld id="{10057389-C169-46FA-B018-578FCD691BFA}" type="slidenum">
               <a:rPr lang="en-GB" smtClean="0"/>
+              <a:pPr/>
               <a:t>‹#›</a:t>
             </a:fld>
             <a:endParaRPr lang="en-GB"/>
@@ -628,6 +1229,7 @@
           <a:p>
             <a:fld id="{9EF7E26A-47D0-492F-9A92-50999D60802F}" type="datetimeFigureOut">
               <a:rPr lang="en-GB" smtClean="0"/>
+              <a:pPr/>
               <a:t>18/09/2012</a:t>
             </a:fld>
             <a:endParaRPr lang="en-GB"/>
@@ -670,6 +1272,7 @@
           <a:p>
             <a:fld id="{10057389-C169-46FA-B018-578FCD691BFA}" type="slidenum">
               <a:rPr lang="en-GB" smtClean="0"/>
+              <a:pPr/>
               <a:t>‹#›</a:t>
             </a:fld>
             <a:endParaRPr lang="en-GB"/>
@@ -793,6 +1396,7 @@
           <a:p>
             <a:fld id="{9EF7E26A-47D0-492F-9A92-50999D60802F}" type="datetimeFigureOut">
               <a:rPr lang="en-GB" smtClean="0"/>
+              <a:pPr/>
               <a:t>18/09/2012</a:t>
             </a:fld>
             <a:endParaRPr lang="en-GB"/>
@@ -835,6 +1439,7 @@
           <a:p>
             <a:fld id="{10057389-C169-46FA-B018-578FCD691BFA}" type="slidenum">
               <a:rPr lang="en-GB" smtClean="0"/>
+              <a:pPr/>
               <a:t>‹#›</a:t>
             </a:fld>
             <a:endParaRPr lang="en-GB"/>
@@ -1034,6 +1639,7 @@
           <a:p>
             <a:fld id="{9EF7E26A-47D0-492F-9A92-50999D60802F}" type="datetimeFigureOut">
               <a:rPr lang="en-GB" smtClean="0"/>
+              <a:pPr/>
               <a:t>18/09/2012</a:t>
             </a:fld>
             <a:endParaRPr lang="en-GB"/>
@@ -1076,6 +1682,7 @@
           <a:p>
             <a:fld id="{10057389-C169-46FA-B018-578FCD691BFA}" type="slidenum">
               <a:rPr lang="en-GB" smtClean="0"/>
+              <a:pPr/>
               <a:t>‹#›</a:t>
             </a:fld>
             <a:endParaRPr lang="en-GB"/>
@@ -1317,6 +1924,7 @@
           <a:p>
             <a:fld id="{9EF7E26A-47D0-492F-9A92-50999D60802F}" type="datetimeFigureOut">
               <a:rPr lang="en-GB" smtClean="0"/>
+              <a:pPr/>
               <a:t>18/09/2012</a:t>
             </a:fld>
             <a:endParaRPr lang="en-GB"/>
@@ -1359,6 +1967,7 @@
           <a:p>
             <a:fld id="{10057389-C169-46FA-B018-578FCD691BFA}" type="slidenum">
               <a:rPr lang="en-GB" smtClean="0"/>
+              <a:pPr/>
               <a:t>‹#›</a:t>
             </a:fld>
             <a:endParaRPr lang="en-GB"/>
@@ -1734,6 +2343,7 @@
           <a:p>
             <a:fld id="{9EF7E26A-47D0-492F-9A92-50999D60802F}" type="datetimeFigureOut">
               <a:rPr lang="en-GB" smtClean="0"/>
+              <a:pPr/>
               <a:t>18/09/2012</a:t>
             </a:fld>
             <a:endParaRPr lang="en-GB"/>
@@ -1776,6 +2386,7 @@
           <a:p>
             <a:fld id="{10057389-C169-46FA-B018-578FCD691BFA}" type="slidenum">
               <a:rPr lang="en-GB" smtClean="0"/>
+              <a:pPr/>
               <a:t>‹#›</a:t>
             </a:fld>
             <a:endParaRPr lang="en-GB"/>
@@ -1847,6 +2458,7 @@
           <a:p>
             <a:fld id="{9EF7E26A-47D0-492F-9A92-50999D60802F}" type="datetimeFigureOut">
               <a:rPr lang="en-GB" smtClean="0"/>
+              <a:pPr/>
               <a:t>18/09/2012</a:t>
             </a:fld>
             <a:endParaRPr lang="en-GB"/>
@@ -1889,6 +2501,7 @@
           <a:p>
             <a:fld id="{10057389-C169-46FA-B018-578FCD691BFA}" type="slidenum">
               <a:rPr lang="en-GB" smtClean="0"/>
+              <a:pPr/>
               <a:t>‹#›</a:t>
             </a:fld>
             <a:endParaRPr lang="en-GB"/>
@@ -1937,6 +2550,7 @@
           <a:p>
             <a:fld id="{9EF7E26A-47D0-492F-9A92-50999D60802F}" type="datetimeFigureOut">
               <a:rPr lang="en-GB" smtClean="0"/>
+              <a:pPr/>
               <a:t>18/09/2012</a:t>
             </a:fld>
             <a:endParaRPr lang="en-GB"/>
@@ -1979,6 +2593,7 @@
           <a:p>
             <a:fld id="{10057389-C169-46FA-B018-578FCD691BFA}" type="slidenum">
               <a:rPr lang="en-GB" smtClean="0"/>
+              <a:pPr/>
               <a:t>‹#›</a:t>
             </a:fld>
             <a:endParaRPr lang="en-GB"/>
@@ -2209,6 +2824,7 @@
           <a:p>
             <a:fld id="{9EF7E26A-47D0-492F-9A92-50999D60802F}" type="datetimeFigureOut">
               <a:rPr lang="en-GB" smtClean="0"/>
+              <a:pPr/>
               <a:t>18/09/2012</a:t>
             </a:fld>
             <a:endParaRPr lang="en-GB"/>
@@ -2251,6 +2867,7 @@
           <a:p>
             <a:fld id="{10057389-C169-46FA-B018-578FCD691BFA}" type="slidenum">
               <a:rPr lang="en-GB" smtClean="0"/>
+              <a:pPr/>
               <a:t>‹#›</a:t>
             </a:fld>
             <a:endParaRPr lang="en-GB"/>
@@ -2457,6 +3074,7 @@
           <a:p>
             <a:fld id="{9EF7E26A-47D0-492F-9A92-50999D60802F}" type="datetimeFigureOut">
               <a:rPr lang="en-GB" smtClean="0"/>
+              <a:pPr/>
               <a:t>18/09/2012</a:t>
             </a:fld>
             <a:endParaRPr lang="en-GB"/>
@@ -2499,6 +3117,7 @@
           <a:p>
             <a:fld id="{10057389-C169-46FA-B018-578FCD691BFA}" type="slidenum">
               <a:rPr lang="en-GB" smtClean="0"/>
+              <a:pPr/>
               <a:t>‹#›</a:t>
             </a:fld>
             <a:endParaRPr lang="en-GB"/>
@@ -2665,6 +3284,7 @@
           <a:p>
             <a:fld id="{9EF7E26A-47D0-492F-9A92-50999D60802F}" type="datetimeFigureOut">
               <a:rPr lang="en-GB" smtClean="0"/>
+              <a:pPr/>
               <a:t>18/09/2012</a:t>
             </a:fld>
             <a:endParaRPr lang="en-GB"/>
@@ -2743,6 +3363,7 @@
           <a:p>
             <a:fld id="{10057389-C169-46FA-B018-578FCD691BFA}" type="slidenum">
               <a:rPr lang="en-GB" smtClean="0"/>
+              <a:pPr/>
               <a:t>‹#›</a:t>
             </a:fld>
             <a:endParaRPr lang="en-GB"/>
@@ -3037,6 +3658,1106 @@
       </p:grpSpPr>
       <p:sp>
         <p:nvSpPr>
+          <p:cNvPr id="30" name="Rectangle 29"/>
+          <p:cNvSpPr/>
+          <p:nvPr/>
+        </p:nvSpPr>
+        <p:spPr>
+          <a:xfrm>
+            <a:off x="5868144" y="4437112"/>
+            <a:ext cx="2664296" cy="1296144"/>
+          </a:xfrm>
+          <a:prstGeom prst="rect">
+            <a:avLst/>
+          </a:prstGeom>
+        </p:spPr>
+        <p:style>
+          <a:lnRef idx="2">
+            <a:schemeClr val="accent3"/>
+          </a:lnRef>
+          <a:fillRef idx="1">
+            <a:schemeClr val="lt1"/>
+          </a:fillRef>
+          <a:effectRef idx="0">
+            <a:schemeClr val="accent3"/>
+          </a:effectRef>
+          <a:fontRef idx="minor">
+            <a:schemeClr val="dk1"/>
+          </a:fontRef>
+        </p:style>
+        <p:txBody>
+          <a:bodyPr rtlCol="0" anchor="b"/>
+          <a:lstStyle/>
+          <a:p>
+            <a:pPr algn="r"/>
+            <a:r>
+              <a:rPr lang="en-GB" dirty="0">
+                <a:solidFill>
+                  <a:schemeClr val="dk1"/>
+                </a:solidFill>
+              </a:rPr>
+              <a:t>Web node</a:t>
+            </a:r>
+          </a:p>
+        </p:txBody>
+      </p:sp>
+      <p:sp>
+        <p:nvSpPr>
+          <p:cNvPr id="8" name="Rectangle 7"/>
+          <p:cNvSpPr/>
+          <p:nvPr/>
+        </p:nvSpPr>
+        <p:spPr>
+          <a:xfrm>
+            <a:off x="2627784" y="1484784"/>
+            <a:ext cx="3096344" cy="1440160"/>
+          </a:xfrm>
+          <a:prstGeom prst="rect">
+            <a:avLst/>
+          </a:prstGeom>
+        </p:spPr>
+        <p:style>
+          <a:lnRef idx="2">
+            <a:schemeClr val="accent3"/>
+          </a:lnRef>
+          <a:fillRef idx="1">
+            <a:schemeClr val="lt1"/>
+          </a:fillRef>
+          <a:effectRef idx="0">
+            <a:schemeClr val="accent3"/>
+          </a:effectRef>
+          <a:fontRef idx="minor">
+            <a:schemeClr val="dk1"/>
+          </a:fontRef>
+        </p:style>
+        <p:txBody>
+          <a:bodyPr rtlCol="0" anchor="b"/>
+          <a:lstStyle/>
+          <a:p>
+            <a:pPr algn="r"/>
+            <a:r>
+              <a:rPr lang="en-GB" dirty="0" smtClean="0"/>
+              <a:t>Playlist  server</a:t>
+            </a:r>
+            <a:endParaRPr lang="en-GB" dirty="0"/>
+          </a:p>
+        </p:txBody>
+      </p:sp>
+      <p:sp>
+        <p:nvSpPr>
+          <p:cNvPr id="5" name="Rectangle 4"/>
+          <p:cNvSpPr/>
+          <p:nvPr/>
+        </p:nvSpPr>
+        <p:spPr>
+          <a:xfrm>
+            <a:off x="3419872" y="260648"/>
+            <a:ext cx="1512168" cy="864096"/>
+          </a:xfrm>
+          <a:prstGeom prst="rect">
+            <a:avLst/>
+          </a:prstGeom>
+        </p:spPr>
+        <p:style>
+          <a:lnRef idx="2">
+            <a:schemeClr val="accent6"/>
+          </a:lnRef>
+          <a:fillRef idx="1">
+            <a:schemeClr val="lt1"/>
+          </a:fillRef>
+          <a:effectRef idx="0">
+            <a:schemeClr val="accent6"/>
+          </a:effectRef>
+          <a:fontRef idx="minor">
+            <a:schemeClr val="dk1"/>
+          </a:fontRef>
+        </p:style>
+        <p:txBody>
+          <a:bodyPr rtlCol="0" anchor="ctr"/>
+          <a:lstStyle/>
+          <a:p>
+            <a:pPr algn="ctr"/>
+            <a:r>
+              <a:rPr lang="en-GB" dirty="0" smtClean="0"/>
+              <a:t>File stream</a:t>
+            </a:r>
+            <a:endParaRPr lang="en-GB" dirty="0"/>
+          </a:p>
+        </p:txBody>
+      </p:sp>
+      <p:sp>
+        <p:nvSpPr>
+          <p:cNvPr id="6" name="Rectangle 5"/>
+          <p:cNvSpPr/>
+          <p:nvPr/>
+        </p:nvSpPr>
+        <p:spPr>
+          <a:xfrm>
+            <a:off x="3059832" y="1700808"/>
+            <a:ext cx="936104" cy="648072"/>
+          </a:xfrm>
+          <a:prstGeom prst="rect">
+            <a:avLst/>
+          </a:prstGeom>
+        </p:spPr>
+        <p:style>
+          <a:lnRef idx="2">
+            <a:schemeClr val="accent1">
+              <a:shade val="50000"/>
+            </a:schemeClr>
+          </a:lnRef>
+          <a:fillRef idx="1">
+            <a:schemeClr val="accent1"/>
+          </a:fillRef>
+          <a:effectRef idx="0">
+            <a:schemeClr val="accent1"/>
+          </a:effectRef>
+          <a:fontRef idx="minor">
+            <a:schemeClr val="lt1"/>
+          </a:fontRef>
+        </p:style>
+        <p:txBody>
+          <a:bodyPr rtlCol="0" anchor="ctr"/>
+          <a:lstStyle/>
+          <a:p>
+            <a:pPr algn="ctr"/>
+            <a:r>
+              <a:rPr lang="en-GB" dirty="0" smtClean="0"/>
+              <a:t>Master Node</a:t>
+            </a:r>
+            <a:endParaRPr lang="en-GB" dirty="0"/>
+          </a:p>
+        </p:txBody>
+      </p:sp>
+      <p:sp>
+        <p:nvSpPr>
+          <p:cNvPr id="7" name="Rectangle 6"/>
+          <p:cNvSpPr/>
+          <p:nvPr/>
+        </p:nvSpPr>
+        <p:spPr>
+          <a:xfrm>
+            <a:off x="4355976" y="1700808"/>
+            <a:ext cx="936104" cy="648072"/>
+          </a:xfrm>
+          <a:prstGeom prst="rect">
+            <a:avLst/>
+          </a:prstGeom>
+        </p:spPr>
+        <p:style>
+          <a:lnRef idx="2">
+            <a:schemeClr val="accent1">
+              <a:shade val="50000"/>
+            </a:schemeClr>
+          </a:lnRef>
+          <a:fillRef idx="1">
+            <a:schemeClr val="accent1"/>
+          </a:fillRef>
+          <a:effectRef idx="0">
+            <a:schemeClr val="accent1"/>
+          </a:effectRef>
+          <a:fontRef idx="minor">
+            <a:schemeClr val="lt1"/>
+          </a:fontRef>
+        </p:style>
+        <p:txBody>
+          <a:bodyPr rtlCol="0" anchor="ctr"/>
+          <a:lstStyle/>
+          <a:p>
+            <a:pPr algn="ctr"/>
+            <a:r>
+              <a:rPr lang="en-GB" dirty="0" smtClean="0"/>
+              <a:t>Backup Node</a:t>
+            </a:r>
+            <a:endParaRPr lang="en-GB" dirty="0"/>
+          </a:p>
+        </p:txBody>
+      </p:sp>
+      <p:sp>
+        <p:nvSpPr>
+          <p:cNvPr id="9" name="Up-Down Arrow 8"/>
+          <p:cNvSpPr/>
+          <p:nvPr/>
+        </p:nvSpPr>
+        <p:spPr>
+          <a:xfrm>
+            <a:off x="4067944" y="908720"/>
+            <a:ext cx="216024" cy="792088"/>
+          </a:xfrm>
+          <a:prstGeom prst="upDownArrow">
+            <a:avLst/>
+          </a:prstGeom>
+        </p:spPr>
+        <p:style>
+          <a:lnRef idx="2">
+            <a:schemeClr val="accent1">
+              <a:shade val="50000"/>
+            </a:schemeClr>
+          </a:lnRef>
+          <a:fillRef idx="1">
+            <a:schemeClr val="accent1"/>
+          </a:fillRef>
+          <a:effectRef idx="0">
+            <a:schemeClr val="accent1"/>
+          </a:effectRef>
+          <a:fontRef idx="minor">
+            <a:schemeClr val="lt1"/>
+          </a:fontRef>
+        </p:style>
+        <p:txBody>
+          <a:bodyPr rtlCol="0" anchor="ctr"/>
+          <a:lstStyle/>
+          <a:p>
+            <a:pPr algn="ctr"/>
+            <a:endParaRPr lang="en-GB"/>
+          </a:p>
+        </p:txBody>
+      </p:sp>
+      <p:sp>
+        <p:nvSpPr>
+          <p:cNvPr id="10" name="Oval 9"/>
+          <p:cNvSpPr/>
+          <p:nvPr/>
+        </p:nvSpPr>
+        <p:spPr>
+          <a:xfrm>
+            <a:off x="323528" y="1628800"/>
+            <a:ext cx="1512168" cy="1296144"/>
+          </a:xfrm>
+          <a:prstGeom prst="ellipse">
+            <a:avLst/>
+          </a:prstGeom>
+        </p:spPr>
+        <p:style>
+          <a:lnRef idx="2">
+            <a:schemeClr val="accent1">
+              <a:shade val="50000"/>
+            </a:schemeClr>
+          </a:lnRef>
+          <a:fillRef idx="1">
+            <a:schemeClr val="accent1"/>
+          </a:fillRef>
+          <a:effectRef idx="0">
+            <a:schemeClr val="accent1"/>
+          </a:effectRef>
+          <a:fontRef idx="minor">
+            <a:schemeClr val="lt1"/>
+          </a:fontRef>
+        </p:style>
+        <p:txBody>
+          <a:bodyPr rtlCol="0" anchor="ctr"/>
+          <a:lstStyle/>
+          <a:p>
+            <a:pPr algn="ctr"/>
+            <a:r>
+              <a:rPr lang="en-GB" dirty="0" smtClean="0"/>
+              <a:t>System Process</a:t>
+            </a:r>
+            <a:endParaRPr lang="en-GB" dirty="0"/>
+          </a:p>
+        </p:txBody>
+      </p:sp>
+      <p:cxnSp>
+        <p:nvCxnSpPr>
+          <p:cNvPr id="12" name="Straight Connector 11"/>
+          <p:cNvCxnSpPr>
+            <a:stCxn id="10" idx="0"/>
+          </p:cNvCxnSpPr>
+          <p:nvPr/>
+        </p:nvCxnSpPr>
+        <p:spPr>
+          <a:xfrm>
+            <a:off x="1079612" y="1628800"/>
+            <a:ext cx="1980220" cy="72008"/>
+          </a:xfrm>
+          <a:prstGeom prst="line">
+            <a:avLst/>
+          </a:prstGeom>
+          <a:ln>
+            <a:prstDash val="lgDash"/>
+          </a:ln>
+        </p:spPr>
+        <p:style>
+          <a:lnRef idx="1">
+            <a:schemeClr val="accent1"/>
+          </a:lnRef>
+          <a:fillRef idx="0">
+            <a:schemeClr val="accent1"/>
+          </a:fillRef>
+          <a:effectRef idx="0">
+            <a:schemeClr val="accent1"/>
+          </a:effectRef>
+          <a:fontRef idx="minor">
+            <a:schemeClr val="tx1"/>
+          </a:fontRef>
+        </p:style>
+      </p:cxnSp>
+      <p:cxnSp>
+        <p:nvCxnSpPr>
+          <p:cNvPr id="14" name="Straight Connector 13"/>
+          <p:cNvCxnSpPr>
+            <a:stCxn id="10" idx="5"/>
+          </p:cNvCxnSpPr>
+          <p:nvPr/>
+        </p:nvCxnSpPr>
+        <p:spPr>
+          <a:xfrm flipV="1">
+            <a:off x="1614244" y="2348880"/>
+            <a:ext cx="1445588" cy="386248"/>
+          </a:xfrm>
+          <a:prstGeom prst="line">
+            <a:avLst/>
+          </a:prstGeom>
+          <a:ln>
+            <a:prstDash val="lgDash"/>
+          </a:ln>
+        </p:spPr>
+        <p:style>
+          <a:lnRef idx="1">
+            <a:schemeClr val="accent1"/>
+          </a:lnRef>
+          <a:fillRef idx="0">
+            <a:schemeClr val="accent1"/>
+          </a:fillRef>
+          <a:effectRef idx="0">
+            <a:schemeClr val="accent1"/>
+          </a:effectRef>
+          <a:fontRef idx="minor">
+            <a:schemeClr val="tx1"/>
+          </a:fontRef>
+        </p:style>
+      </p:cxnSp>
+      <p:sp>
+        <p:nvSpPr>
+          <p:cNvPr id="23" name="TextBox 22"/>
+          <p:cNvSpPr txBox="1"/>
+          <p:nvPr/>
+        </p:nvSpPr>
+        <p:spPr>
+          <a:xfrm>
+            <a:off x="251520" y="3068960"/>
+            <a:ext cx="1800200" cy="954107"/>
+          </a:xfrm>
+          <a:prstGeom prst="rect">
+            <a:avLst/>
+          </a:prstGeom>
+          <a:noFill/>
+        </p:spPr>
+        <p:txBody>
+          <a:bodyPr wrap="square" rtlCol="0">
+            <a:spAutoFit/>
+          </a:bodyPr>
+          <a:lstStyle/>
+          <a:p>
+            <a:r>
+              <a:rPr lang="en-GB" sz="1400" dirty="0" smtClean="0"/>
+              <a:t>On error, restart on master or backup from where playlist left off</a:t>
+            </a:r>
+            <a:endParaRPr lang="en-GB" sz="1400" dirty="0"/>
+          </a:p>
+        </p:txBody>
+      </p:sp>
+      <p:sp>
+        <p:nvSpPr>
+          <p:cNvPr id="24" name="Rectangle 23"/>
+          <p:cNvSpPr/>
+          <p:nvPr/>
+        </p:nvSpPr>
+        <p:spPr>
+          <a:xfrm>
+            <a:off x="3059832" y="2780928"/>
+            <a:ext cx="936104" cy="792088"/>
+          </a:xfrm>
+          <a:prstGeom prst="rect">
+            <a:avLst/>
+          </a:prstGeom>
+        </p:spPr>
+        <p:style>
+          <a:lnRef idx="1">
+            <a:schemeClr val="accent2"/>
+          </a:lnRef>
+          <a:fillRef idx="2">
+            <a:schemeClr val="accent2"/>
+          </a:fillRef>
+          <a:effectRef idx="1">
+            <a:schemeClr val="accent2"/>
+          </a:effectRef>
+          <a:fontRef idx="minor">
+            <a:schemeClr val="dk1"/>
+          </a:fontRef>
+        </p:style>
+        <p:txBody>
+          <a:bodyPr rtlCol="0" anchor="ctr"/>
+          <a:lstStyle/>
+          <a:p>
+            <a:pPr algn="ctr"/>
+            <a:r>
+              <a:rPr lang="en-GB" dirty="0" smtClean="0"/>
+              <a:t>Buffer</a:t>
+            </a:r>
+            <a:endParaRPr lang="en-GB" dirty="0"/>
+          </a:p>
+        </p:txBody>
+      </p:sp>
+      <p:sp>
+        <p:nvSpPr>
+          <p:cNvPr id="26" name="Down Arrow 25"/>
+          <p:cNvSpPr/>
+          <p:nvPr/>
+        </p:nvSpPr>
+        <p:spPr>
+          <a:xfrm>
+            <a:off x="3419872" y="2276872"/>
+            <a:ext cx="216024" cy="720080"/>
+          </a:xfrm>
+          <a:prstGeom prst="downArrow">
+            <a:avLst/>
+          </a:prstGeom>
+        </p:spPr>
+        <p:style>
+          <a:lnRef idx="2">
+            <a:schemeClr val="dk1"/>
+          </a:lnRef>
+          <a:fillRef idx="1">
+            <a:schemeClr val="lt1"/>
+          </a:fillRef>
+          <a:effectRef idx="0">
+            <a:schemeClr val="dk1"/>
+          </a:effectRef>
+          <a:fontRef idx="minor">
+            <a:schemeClr val="dk1"/>
+          </a:fontRef>
+        </p:style>
+        <p:txBody>
+          <a:bodyPr rtlCol="0" anchor="ctr"/>
+          <a:lstStyle/>
+          <a:p>
+            <a:pPr algn="ctr"/>
+            <a:endParaRPr lang="en-GB"/>
+          </a:p>
+        </p:txBody>
+      </p:sp>
+      <p:sp>
+        <p:nvSpPr>
+          <p:cNvPr id="27" name="Rectangle 26"/>
+          <p:cNvSpPr/>
+          <p:nvPr/>
+        </p:nvSpPr>
+        <p:spPr>
+          <a:xfrm>
+            <a:off x="6156176" y="4725144"/>
+            <a:ext cx="936104" cy="648072"/>
+          </a:xfrm>
+          <a:prstGeom prst="rect">
+            <a:avLst/>
+          </a:prstGeom>
+        </p:spPr>
+        <p:style>
+          <a:lnRef idx="2">
+            <a:schemeClr val="accent1">
+              <a:shade val="50000"/>
+            </a:schemeClr>
+          </a:lnRef>
+          <a:fillRef idx="1">
+            <a:schemeClr val="accent1"/>
+          </a:fillRef>
+          <a:effectRef idx="0">
+            <a:schemeClr val="accent1"/>
+          </a:effectRef>
+          <a:fontRef idx="minor">
+            <a:schemeClr val="lt1"/>
+          </a:fontRef>
+        </p:style>
+        <p:txBody>
+          <a:bodyPr rtlCol="0" anchor="ctr"/>
+          <a:lstStyle/>
+          <a:p>
+            <a:pPr algn="ctr"/>
+            <a:r>
+              <a:rPr lang="en-GB" dirty="0" smtClean="0"/>
+              <a:t>Node</a:t>
+            </a:r>
+            <a:endParaRPr lang="en-GB" dirty="0"/>
+          </a:p>
+        </p:txBody>
+      </p:sp>
+      <p:sp>
+        <p:nvSpPr>
+          <p:cNvPr id="28" name="Rectangle 27"/>
+          <p:cNvSpPr/>
+          <p:nvPr/>
+        </p:nvSpPr>
+        <p:spPr>
+          <a:xfrm>
+            <a:off x="7308304" y="4725144"/>
+            <a:ext cx="936104" cy="648072"/>
+          </a:xfrm>
+          <a:prstGeom prst="rect">
+            <a:avLst/>
+          </a:prstGeom>
+        </p:spPr>
+        <p:style>
+          <a:lnRef idx="2">
+            <a:schemeClr val="accent1">
+              <a:shade val="50000"/>
+            </a:schemeClr>
+          </a:lnRef>
+          <a:fillRef idx="1">
+            <a:schemeClr val="accent1"/>
+          </a:fillRef>
+          <a:effectRef idx="0">
+            <a:schemeClr val="accent1"/>
+          </a:effectRef>
+          <a:fontRef idx="minor">
+            <a:schemeClr val="lt1"/>
+          </a:fontRef>
+        </p:style>
+        <p:txBody>
+          <a:bodyPr rtlCol="0" anchor="ctr"/>
+          <a:lstStyle/>
+          <a:p>
+            <a:pPr algn="ctr"/>
+            <a:r>
+              <a:rPr lang="en-GB" dirty="0" smtClean="0"/>
+              <a:t>Node</a:t>
+            </a:r>
+            <a:endParaRPr lang="en-GB" dirty="0"/>
+          </a:p>
+        </p:txBody>
+      </p:sp>
+      <p:sp>
+        <p:nvSpPr>
+          <p:cNvPr id="31" name="Rectangle 30"/>
+          <p:cNvSpPr/>
+          <p:nvPr/>
+        </p:nvSpPr>
+        <p:spPr>
+          <a:xfrm>
+            <a:off x="2987824" y="4437112"/>
+            <a:ext cx="2664296" cy="1296144"/>
+          </a:xfrm>
+          <a:prstGeom prst="rect">
+            <a:avLst/>
+          </a:prstGeom>
+        </p:spPr>
+        <p:style>
+          <a:lnRef idx="2">
+            <a:schemeClr val="accent3"/>
+          </a:lnRef>
+          <a:fillRef idx="1">
+            <a:schemeClr val="lt1"/>
+          </a:fillRef>
+          <a:effectRef idx="0">
+            <a:schemeClr val="accent3"/>
+          </a:effectRef>
+          <a:fontRef idx="minor">
+            <a:schemeClr val="dk1"/>
+          </a:fontRef>
+        </p:style>
+        <p:txBody>
+          <a:bodyPr rtlCol="0" anchor="b"/>
+          <a:lstStyle/>
+          <a:p>
+            <a:pPr algn="r"/>
+            <a:r>
+              <a:rPr lang="en-GB" dirty="0">
+                <a:solidFill>
+                  <a:schemeClr val="dk1"/>
+                </a:solidFill>
+              </a:rPr>
+              <a:t>Web node</a:t>
+            </a:r>
+          </a:p>
+        </p:txBody>
+      </p:sp>
+      <p:sp>
+        <p:nvSpPr>
+          <p:cNvPr id="32" name="Rectangle 31"/>
+          <p:cNvSpPr/>
+          <p:nvPr/>
+        </p:nvSpPr>
+        <p:spPr>
+          <a:xfrm>
+            <a:off x="3275856" y="4725144"/>
+            <a:ext cx="936104" cy="648072"/>
+          </a:xfrm>
+          <a:prstGeom prst="rect">
+            <a:avLst/>
+          </a:prstGeom>
+        </p:spPr>
+        <p:style>
+          <a:lnRef idx="2">
+            <a:schemeClr val="accent1">
+              <a:shade val="50000"/>
+            </a:schemeClr>
+          </a:lnRef>
+          <a:fillRef idx="1">
+            <a:schemeClr val="accent1"/>
+          </a:fillRef>
+          <a:effectRef idx="0">
+            <a:schemeClr val="accent1"/>
+          </a:effectRef>
+          <a:fontRef idx="minor">
+            <a:schemeClr val="lt1"/>
+          </a:fontRef>
+        </p:style>
+        <p:txBody>
+          <a:bodyPr rtlCol="0" anchor="ctr"/>
+          <a:lstStyle/>
+          <a:p>
+            <a:pPr algn="ctr"/>
+            <a:r>
+              <a:rPr lang="en-GB" dirty="0" smtClean="0"/>
+              <a:t>Node</a:t>
+            </a:r>
+            <a:endParaRPr lang="en-GB" dirty="0"/>
+          </a:p>
+        </p:txBody>
+      </p:sp>
+      <p:sp>
+        <p:nvSpPr>
+          <p:cNvPr id="33" name="Rectangle 32"/>
+          <p:cNvSpPr/>
+          <p:nvPr/>
+        </p:nvSpPr>
+        <p:spPr>
+          <a:xfrm>
+            <a:off x="4427984" y="4725144"/>
+            <a:ext cx="936104" cy="648072"/>
+          </a:xfrm>
+          <a:prstGeom prst="rect">
+            <a:avLst/>
+          </a:prstGeom>
+        </p:spPr>
+        <p:style>
+          <a:lnRef idx="2">
+            <a:schemeClr val="accent1">
+              <a:shade val="50000"/>
+            </a:schemeClr>
+          </a:lnRef>
+          <a:fillRef idx="1">
+            <a:schemeClr val="accent1"/>
+          </a:fillRef>
+          <a:effectRef idx="0">
+            <a:schemeClr val="accent1"/>
+          </a:effectRef>
+          <a:fontRef idx="minor">
+            <a:schemeClr val="lt1"/>
+          </a:fontRef>
+        </p:style>
+        <p:txBody>
+          <a:bodyPr rtlCol="0" anchor="ctr"/>
+          <a:lstStyle/>
+          <a:p>
+            <a:pPr algn="ctr"/>
+            <a:r>
+              <a:rPr lang="en-GB" dirty="0" smtClean="0"/>
+              <a:t>Node</a:t>
+            </a:r>
+            <a:endParaRPr lang="en-GB" dirty="0"/>
+          </a:p>
+        </p:txBody>
+      </p:sp>
+      <p:sp>
+        <p:nvSpPr>
+          <p:cNvPr id="34" name="Oval 33"/>
+          <p:cNvSpPr/>
+          <p:nvPr/>
+        </p:nvSpPr>
+        <p:spPr>
+          <a:xfrm>
+            <a:off x="323528" y="4293096"/>
+            <a:ext cx="1512168" cy="1512168"/>
+          </a:xfrm>
+          <a:prstGeom prst="ellipse">
+            <a:avLst/>
+          </a:prstGeom>
+        </p:spPr>
+        <p:style>
+          <a:lnRef idx="2">
+            <a:schemeClr val="accent1">
+              <a:shade val="50000"/>
+            </a:schemeClr>
+          </a:lnRef>
+          <a:fillRef idx="1">
+            <a:schemeClr val="accent1"/>
+          </a:fillRef>
+          <a:effectRef idx="0">
+            <a:schemeClr val="accent1"/>
+          </a:effectRef>
+          <a:fontRef idx="minor">
+            <a:schemeClr val="lt1"/>
+          </a:fontRef>
+        </p:style>
+        <p:txBody>
+          <a:bodyPr rtlCol="0" anchor="ctr"/>
+          <a:lstStyle/>
+          <a:p>
+            <a:pPr algn="ctr"/>
+            <a:r>
+              <a:rPr lang="en-GB" dirty="0" smtClean="0"/>
+              <a:t>System Process</a:t>
+            </a:r>
+            <a:endParaRPr lang="en-GB" dirty="0"/>
+          </a:p>
+        </p:txBody>
+      </p:sp>
+      <p:sp>
+        <p:nvSpPr>
+          <p:cNvPr id="35" name="TextBox 34"/>
+          <p:cNvSpPr txBox="1"/>
+          <p:nvPr/>
+        </p:nvSpPr>
+        <p:spPr>
+          <a:xfrm>
+            <a:off x="251520" y="5805264"/>
+            <a:ext cx="5328592" cy="954107"/>
+          </a:xfrm>
+          <a:prstGeom prst="rect">
+            <a:avLst/>
+          </a:prstGeom>
+          <a:noFill/>
+        </p:spPr>
+        <p:txBody>
+          <a:bodyPr wrap="square" rtlCol="0">
+            <a:spAutoFit/>
+          </a:bodyPr>
+          <a:lstStyle/>
+          <a:p>
+            <a:r>
+              <a:rPr lang="en-GB" sz="1400" dirty="0" smtClean="0"/>
+              <a:t>On error reconnect to the buffer host and try to continue streaming</a:t>
+            </a:r>
+          </a:p>
+          <a:p>
+            <a:endParaRPr lang="en-GB" sz="1400" dirty="0" smtClean="0"/>
+          </a:p>
+          <a:p>
+            <a:r>
+              <a:rPr lang="en-GB" sz="1400" dirty="0" smtClean="0"/>
+              <a:t>When playlist node fails, should not cause clients to fail, maybe a brief pause when no binary is being added to buffer?</a:t>
+            </a:r>
+            <a:endParaRPr lang="en-GB" sz="1400" dirty="0"/>
+          </a:p>
+        </p:txBody>
+      </p:sp>
+      <p:cxnSp>
+        <p:nvCxnSpPr>
+          <p:cNvPr id="40" name="Straight Connector 39"/>
+          <p:cNvCxnSpPr>
+            <a:stCxn id="34" idx="0"/>
+          </p:cNvCxnSpPr>
+          <p:nvPr/>
+        </p:nvCxnSpPr>
+        <p:spPr>
+          <a:xfrm>
+            <a:off x="1079612" y="4293096"/>
+            <a:ext cx="7380820" cy="144016"/>
+          </a:xfrm>
+          <a:prstGeom prst="line">
+            <a:avLst/>
+          </a:prstGeom>
+          <a:ln>
+            <a:prstDash val="lgDash"/>
+          </a:ln>
+        </p:spPr>
+        <p:style>
+          <a:lnRef idx="1">
+            <a:schemeClr val="accent1"/>
+          </a:lnRef>
+          <a:fillRef idx="0">
+            <a:schemeClr val="accent1"/>
+          </a:fillRef>
+          <a:effectRef idx="0">
+            <a:schemeClr val="accent1"/>
+          </a:effectRef>
+          <a:fontRef idx="minor">
+            <a:schemeClr val="tx1"/>
+          </a:fontRef>
+        </p:style>
+      </p:cxnSp>
+      <p:cxnSp>
+        <p:nvCxnSpPr>
+          <p:cNvPr id="42" name="Straight Connector 41"/>
+          <p:cNvCxnSpPr>
+            <a:stCxn id="34" idx="4"/>
+          </p:cNvCxnSpPr>
+          <p:nvPr/>
+        </p:nvCxnSpPr>
+        <p:spPr>
+          <a:xfrm flipV="1">
+            <a:off x="1079612" y="5733256"/>
+            <a:ext cx="7452828" cy="72008"/>
+          </a:xfrm>
+          <a:prstGeom prst="line">
+            <a:avLst/>
+          </a:prstGeom>
+          <a:ln>
+            <a:prstDash val="lgDash"/>
+          </a:ln>
+        </p:spPr>
+        <p:style>
+          <a:lnRef idx="1">
+            <a:schemeClr val="accent1"/>
+          </a:lnRef>
+          <a:fillRef idx="0">
+            <a:schemeClr val="accent1"/>
+          </a:fillRef>
+          <a:effectRef idx="0">
+            <a:schemeClr val="accent1"/>
+          </a:effectRef>
+          <a:fontRef idx="minor">
+            <a:schemeClr val="tx1"/>
+          </a:fontRef>
+        </p:style>
+      </p:cxnSp>
+      <p:sp>
+        <p:nvSpPr>
+          <p:cNvPr id="43" name="Up-Down Arrow 42"/>
+          <p:cNvSpPr/>
+          <p:nvPr/>
+        </p:nvSpPr>
+        <p:spPr>
+          <a:xfrm>
+            <a:off x="3563888" y="3501008"/>
+            <a:ext cx="216024" cy="1296144"/>
+          </a:xfrm>
+          <a:prstGeom prst="upDownArrow">
+            <a:avLst/>
+          </a:prstGeom>
+        </p:spPr>
+        <p:style>
+          <a:lnRef idx="2">
+            <a:schemeClr val="dk1"/>
+          </a:lnRef>
+          <a:fillRef idx="1">
+            <a:schemeClr val="lt1"/>
+          </a:fillRef>
+          <a:effectRef idx="0">
+            <a:schemeClr val="dk1"/>
+          </a:effectRef>
+          <a:fontRef idx="minor">
+            <a:schemeClr val="dk1"/>
+          </a:fontRef>
+        </p:style>
+        <p:txBody>
+          <a:bodyPr rtlCol="0" anchor="ctr"/>
+          <a:lstStyle/>
+          <a:p>
+            <a:pPr algn="ctr"/>
+            <a:endParaRPr lang="en-GB">
+              <a:solidFill>
+                <a:schemeClr val="dk1"/>
+              </a:solidFill>
+            </a:endParaRPr>
+          </a:p>
+        </p:txBody>
+      </p:sp>
+      <p:sp>
+        <p:nvSpPr>
+          <p:cNvPr id="44" name="Up-Down Arrow 43"/>
+          <p:cNvSpPr/>
+          <p:nvPr/>
+        </p:nvSpPr>
+        <p:spPr>
+          <a:xfrm rot="19376967">
+            <a:off x="4321738" y="3262724"/>
+            <a:ext cx="175816" cy="1727898"/>
+          </a:xfrm>
+          <a:prstGeom prst="upDownArrow">
+            <a:avLst/>
+          </a:prstGeom>
+        </p:spPr>
+        <p:style>
+          <a:lnRef idx="2">
+            <a:schemeClr val="dk1"/>
+          </a:lnRef>
+          <a:fillRef idx="1">
+            <a:schemeClr val="lt1"/>
+          </a:fillRef>
+          <a:effectRef idx="0">
+            <a:schemeClr val="dk1"/>
+          </a:effectRef>
+          <a:fontRef idx="minor">
+            <a:schemeClr val="dk1"/>
+          </a:fontRef>
+        </p:style>
+        <p:txBody>
+          <a:bodyPr rtlCol="0" anchor="ctr"/>
+          <a:lstStyle/>
+          <a:p>
+            <a:pPr algn="ctr"/>
+            <a:endParaRPr lang="en-GB">
+              <a:solidFill>
+                <a:schemeClr val="dk1"/>
+              </a:solidFill>
+            </a:endParaRPr>
+          </a:p>
+        </p:txBody>
+      </p:sp>
+      <p:sp>
+        <p:nvSpPr>
+          <p:cNvPr id="45" name="Up-Down Arrow 44"/>
+          <p:cNvSpPr/>
+          <p:nvPr/>
+        </p:nvSpPr>
+        <p:spPr>
+          <a:xfrm rot="7256939">
+            <a:off x="5179862" y="2437673"/>
+            <a:ext cx="160544" cy="3139647"/>
+          </a:xfrm>
+          <a:prstGeom prst="upDownArrow">
+            <a:avLst/>
+          </a:prstGeom>
+        </p:spPr>
+        <p:style>
+          <a:lnRef idx="2">
+            <a:schemeClr val="dk1"/>
+          </a:lnRef>
+          <a:fillRef idx="1">
+            <a:schemeClr val="lt1"/>
+          </a:fillRef>
+          <a:effectRef idx="0">
+            <a:schemeClr val="dk1"/>
+          </a:effectRef>
+          <a:fontRef idx="minor">
+            <a:schemeClr val="dk1"/>
+          </a:fontRef>
+        </p:style>
+        <p:txBody>
+          <a:bodyPr rtlCol="0" anchor="ctr"/>
+          <a:lstStyle/>
+          <a:p>
+            <a:pPr algn="ctr"/>
+            <a:endParaRPr lang="en-GB">
+              <a:solidFill>
+                <a:schemeClr val="dk1"/>
+              </a:solidFill>
+            </a:endParaRPr>
+          </a:p>
+        </p:txBody>
+      </p:sp>
+      <p:sp>
+        <p:nvSpPr>
+          <p:cNvPr id="46" name="Up-Down Arrow 45"/>
+          <p:cNvSpPr/>
+          <p:nvPr/>
+        </p:nvSpPr>
+        <p:spPr>
+          <a:xfrm rot="7045621">
+            <a:off x="5714611" y="1827671"/>
+            <a:ext cx="144023" cy="4038636"/>
+          </a:xfrm>
+          <a:prstGeom prst="upDownArrow">
+            <a:avLst/>
+          </a:prstGeom>
+        </p:spPr>
+        <p:style>
+          <a:lnRef idx="2">
+            <a:schemeClr val="dk1"/>
+          </a:lnRef>
+          <a:fillRef idx="1">
+            <a:schemeClr val="lt1"/>
+          </a:fillRef>
+          <a:effectRef idx="0">
+            <a:schemeClr val="dk1"/>
+          </a:effectRef>
+          <a:fontRef idx="minor">
+            <a:schemeClr val="dk1"/>
+          </a:fontRef>
+        </p:style>
+        <p:txBody>
+          <a:bodyPr rtlCol="0" anchor="ctr"/>
+          <a:lstStyle/>
+          <a:p>
+            <a:pPr algn="ctr"/>
+            <a:endParaRPr lang="en-GB">
+              <a:solidFill>
+                <a:schemeClr val="dk1"/>
+              </a:solidFill>
+            </a:endParaRPr>
+          </a:p>
+        </p:txBody>
+      </p:sp>
+      <p:sp>
+        <p:nvSpPr>
+          <p:cNvPr id="49" name="TextBox 48"/>
+          <p:cNvSpPr txBox="1"/>
+          <p:nvPr/>
+        </p:nvSpPr>
+        <p:spPr>
+          <a:xfrm>
+            <a:off x="6444208" y="332656"/>
+            <a:ext cx="2592288" cy="1200329"/>
+          </a:xfrm>
+          <a:prstGeom prst="rect">
+            <a:avLst/>
+          </a:prstGeom>
+          <a:noFill/>
+        </p:spPr>
+        <p:txBody>
+          <a:bodyPr wrap="square" rtlCol="0">
+            <a:spAutoFit/>
+          </a:bodyPr>
+          <a:lstStyle/>
+          <a:p>
+            <a:pPr marL="342900" indent="-342900">
+              <a:buFont typeface="+mj-lt"/>
+              <a:buAutoNum type="arabicPeriod"/>
+            </a:pPr>
+            <a:r>
+              <a:rPr lang="en-GB" sz="1200" dirty="0" smtClean="0"/>
+              <a:t>Not sure about the single buffer – single point of failure. But what are the options?</a:t>
+            </a:r>
+          </a:p>
+          <a:p>
+            <a:pPr marL="342900" indent="-342900"/>
+            <a:r>
+              <a:rPr lang="en-GB" sz="1200" dirty="0" smtClean="0"/>
+              <a:t>               + load balance buffers?</a:t>
+            </a:r>
+          </a:p>
+          <a:p>
+            <a:pPr marL="342900" indent="-342900"/>
+            <a:r>
+              <a:rPr lang="en-GB" sz="1200" dirty="0"/>
+              <a:t>	 </a:t>
+            </a:r>
+            <a:r>
+              <a:rPr lang="en-GB" sz="1200" dirty="0" smtClean="0"/>
+              <a:t>    + separate buffer on each  node and clients go direct</a:t>
+            </a:r>
+            <a:endParaRPr lang="en-GB" sz="1200" dirty="0"/>
+          </a:p>
+        </p:txBody>
+      </p:sp>
+    </p:spTree>
+  </p:cSld>
+  <p:clrMapOvr>
+    <a:masterClrMapping/>
+  </p:clrMapOvr>
+</p:sld>
+</file>
+
+<file path=ppt/slides/slide2.xml><?xml version="1.0" encoding="utf-8"?>
+<p:sld xmlns:a="http://schemas.openxmlformats.org/drawingml/2006/main" xmlns:r="http://schemas.openxmlformats.org/officeDocument/2006/relationships" xmlns:p="http://schemas.openxmlformats.org/presentationml/2006/main">
+  <p:cSld>
+    <p:spTree>
+      <p:nvGrpSpPr>
+        <p:cNvPr id="1" name=""/>
+        <p:cNvGrpSpPr/>
+        <p:nvPr/>
+      </p:nvGrpSpPr>
+      <p:grpSpPr>
+        <a:xfrm>
+          <a:off x="0" y="0"/>
+          <a:ext cx="0" cy="0"/>
+          <a:chOff x="0" y="0"/>
+          <a:chExt cx="0" cy="0"/>
+        </a:xfrm>
+      </p:grpSpPr>
+      <p:sp>
+        <p:nvSpPr>
           <p:cNvPr id="85" name="Rectangle 84"/>
           <p:cNvSpPr/>
           <p:nvPr/>
@@ -3418,9 +5139,9 @@
           </a:prstGeom>
           <a:ln>
             <a:solidFill>
-              <a:schemeClr val="accent1">
-                <a:lumMod val="60000"/>
-                <a:lumOff val="40000"/>
+              <a:schemeClr val="tx2">
+                <a:lumMod val="40000"/>
+                <a:lumOff val="60000"/>
               </a:schemeClr>
             </a:solidFill>
           </a:ln>
@@ -4134,10 +5855,573 @@
   <p:clrMapOvr>
     <a:masterClrMapping/>
   </p:clrMapOvr>
+  <p:timing>
+    <p:tnLst>
+      <p:par>
+        <p:cTn id="1" dur="indefinite" restart="never" nodeType="tmRoot"/>
+      </p:par>
+    </p:tnLst>
+  </p:timing>
 </p:sld>
 </file>
 
 <file path=ppt/theme/theme1.xml><?xml version="1.0" encoding="utf-8"?>
+<a:theme xmlns:a="http://schemas.openxmlformats.org/drawingml/2006/main" name="Office Theme">
+  <a:themeElements>
+    <a:clrScheme name="Grayscale">
+      <a:dk1>
+        <a:sysClr val="windowText" lastClr="000000"/>
+      </a:dk1>
+      <a:lt1>
+        <a:sysClr val="window" lastClr="FFFFFF"/>
+      </a:lt1>
+      <a:dk2>
+        <a:srgbClr val="000000"/>
+      </a:dk2>
+      <a:lt2>
+        <a:srgbClr val="F8F8F8"/>
+      </a:lt2>
+      <a:accent1>
+        <a:srgbClr val="DDDDDD"/>
+      </a:accent1>
+      <a:accent2>
+        <a:srgbClr val="B2B2B2"/>
+      </a:accent2>
+      <a:accent3>
+        <a:srgbClr val="969696"/>
+      </a:accent3>
+      <a:accent4>
+        <a:srgbClr val="808080"/>
+      </a:accent4>
+      <a:accent5>
+        <a:srgbClr val="5F5F5F"/>
+      </a:accent5>
+      <a:accent6>
+        <a:srgbClr val="4D4D4D"/>
+      </a:accent6>
+      <a:hlink>
+        <a:srgbClr val="5F5F5F"/>
+      </a:hlink>
+      <a:folHlink>
+        <a:srgbClr val="919191"/>
+      </a:folHlink>
+    </a:clrScheme>
+    <a:fontScheme name="Office">
+      <a:majorFont>
+        <a:latin typeface="Calibri"/>
+        <a:ea typeface=""/>
+        <a:cs typeface=""/>
+        <a:font script="Jpan" typeface="ＭＳ Ｐゴシック"/>
+        <a:font script="Hang" typeface="맑은 고딕"/>
+        <a:font script="Hans" typeface="宋体"/>
+        <a:font script="Hant" typeface="新細明體"/>
+        <a:font script="Arab" typeface="Times New Roman"/>
+        <a:font script="Hebr" typeface="Times New Roman"/>
+        <a:font script="Thai" typeface="Angsana New"/>
+        <a:font script="Ethi" typeface="Nyala"/>
+        <a:font script="Beng" typeface="Vrinda"/>
+        <a:font script="Gujr" typeface="Shruti"/>
+        <a:font script="Khmr" typeface="MoolBoran"/>
+        <a:font script="Knda" typeface="Tunga"/>
+        <a:font script="Guru" typeface="Raavi"/>
+        <a:font script="Cans" typeface="Euphemia"/>
+        <a:font script="Cher" typeface="Plantagenet Cherokee"/>
+        <a:font script="Yiii" typeface="Microsoft Yi Baiti"/>
+        <a:font script="Tibt" typeface="Microsoft Himalaya"/>
+        <a:font script="Thaa" typeface="MV Boli"/>
+        <a:font script="Deva" typeface="Mangal"/>
+        <a:font script="Telu" typeface="Gautami"/>
+        <a:font script="Taml" typeface="Latha"/>
+        <a:font script="Syrc" typeface="Estrangelo Edessa"/>
+        <a:font script="Orya" typeface="Kalinga"/>
+        <a:font script="Mlym" typeface="Kartika"/>
+        <a:font script="Laoo" typeface="DokChampa"/>
+        <a:font script="Sinh" typeface="Iskoola Pota"/>
+        <a:font script="Mong" typeface="Mongolian Baiti"/>
+        <a:font script="Viet" typeface="Times New Roman"/>
+        <a:font script="Uigh" typeface="Microsoft Uighur"/>
+      </a:majorFont>
+      <a:minorFont>
+        <a:latin typeface="Calibri"/>
+        <a:ea typeface=""/>
+        <a:cs typeface=""/>
+        <a:font script="Jpan" typeface="ＭＳ Ｐゴシック"/>
+        <a:font script="Hang" typeface="맑은 고딕"/>
+        <a:font script="Hans" typeface="宋体"/>
+        <a:font script="Hant" typeface="新細明體"/>
+        <a:font script="Arab" typeface="Arial"/>
+        <a:font script="Hebr" typeface="Arial"/>
+        <a:font script="Thai" typeface="Cordia New"/>
+        <a:font script="Ethi" typeface="Nyala"/>
+        <a:font script="Beng" typeface="Vrinda"/>
+        <a:font script="Gujr" typeface="Shruti"/>
+        <a:font script="Khmr" typeface="DaunPenh"/>
+        <a:font script="Knda" typeface="Tunga"/>
+        <a:font script="Guru" typeface="Raavi"/>
+        <a:font script="Cans" typeface="Euphemia"/>
+        <a:font script="Cher" typeface="Plantagenet Cherokee"/>
+        <a:font script="Yiii" typeface="Microsoft Yi Baiti"/>
+        <a:font script="Tibt" typeface="Microsoft Himalaya"/>
+        <a:font script="Thaa" typeface="MV Boli"/>
+        <a:font script="Deva" typeface="Mangal"/>
+        <a:font script="Telu" typeface="Gautami"/>
+        <a:font script="Taml" typeface="Latha"/>
+        <a:font script="Syrc" typeface="Estrangelo Edessa"/>
+        <a:font script="Orya" typeface="Kalinga"/>
+        <a:font script="Mlym" typeface="Kartika"/>
+        <a:font script="Laoo" typeface="DokChampa"/>
+        <a:font script="Sinh" typeface="Iskoola Pota"/>
+        <a:font script="Mong" typeface="Mongolian Baiti"/>
+        <a:font script="Viet" typeface="Arial"/>
+        <a:font script="Uigh" typeface="Microsoft Uighur"/>
+      </a:minorFont>
+    </a:fontScheme>
+    <a:fmtScheme name="Equity">
+      <a:fillStyleLst>
+        <a:solidFill>
+          <a:schemeClr val="phClr"/>
+        </a:solidFill>
+        <a:blipFill>
+          <a:blip xmlns:r="http://schemas.openxmlformats.org/officeDocument/2006/relationships" r:embed="rId1">
+            <a:duotone>
+              <a:schemeClr val="phClr">
+                <a:tint val="30000"/>
+                <a:satMod val="300000"/>
+              </a:schemeClr>
+              <a:schemeClr val="phClr">
+                <a:tint val="40000"/>
+                <a:satMod val="200000"/>
+              </a:schemeClr>
+            </a:duotone>
+          </a:blip>
+          <a:tile tx="0" ty="0" sx="70000" sy="70000" flip="none" algn="ctr"/>
+        </a:blipFill>
+        <a:blipFill>
+          <a:blip xmlns:r="http://schemas.openxmlformats.org/officeDocument/2006/relationships" r:embed="rId1">
+            <a:duotone>
+              <a:schemeClr val="phClr">
+                <a:shade val="22000"/>
+                <a:satMod val="160000"/>
+              </a:schemeClr>
+              <a:schemeClr val="phClr">
+                <a:shade val="45000"/>
+                <a:satMod val="100000"/>
+              </a:schemeClr>
+            </a:duotone>
+          </a:blip>
+          <a:tile tx="0" ty="0" sx="65000" sy="65000" flip="none" algn="ctr"/>
+        </a:blipFill>
+      </a:fillStyleLst>
+      <a:lnStyleLst>
+        <a:ln w="9525" cap="flat" cmpd="sng" algn="ctr">
+          <a:solidFill>
+            <a:schemeClr val="phClr">
+              <a:shade val="60000"/>
+              <a:satMod val="110000"/>
+            </a:schemeClr>
+          </a:solidFill>
+          <a:prstDash val="solid"/>
+        </a:ln>
+        <a:ln w="12700" cap="flat" cmpd="sng" algn="ctr">
+          <a:solidFill>
+            <a:schemeClr val="phClr"/>
+          </a:solidFill>
+          <a:prstDash val="solid"/>
+        </a:ln>
+        <a:ln w="38100" cap="flat" cmpd="sng" algn="ctr">
+          <a:solidFill>
+            <a:schemeClr val="phClr"/>
+          </a:solidFill>
+          <a:prstDash val="solid"/>
+        </a:ln>
+      </a:lnStyleLst>
+      <a:effectStyleLst>
+        <a:effectStyle>
+          <a:effectLst>
+            <a:outerShdw blurRad="38100" dist="25400" dir="5400000" algn="t" rotWithShape="0">
+              <a:srgbClr val="000000">
+                <a:alpha val="50000"/>
+              </a:srgbClr>
+            </a:outerShdw>
+          </a:effectLst>
+        </a:effectStyle>
+        <a:effectStyle>
+          <a:effectLst>
+            <a:outerShdw blurRad="38100" dist="25400" dir="5400000" algn="t" rotWithShape="0">
+              <a:srgbClr val="000000">
+                <a:alpha val="50000"/>
+              </a:srgbClr>
+            </a:outerShdw>
+          </a:effectLst>
+        </a:effectStyle>
+        <a:effectStyle>
+          <a:effectLst>
+            <a:outerShdw blurRad="50800" dist="50800" dir="5400000" algn="t" rotWithShape="0">
+              <a:srgbClr val="000000">
+                <a:alpha val="60000"/>
+              </a:srgbClr>
+            </a:outerShdw>
+          </a:effectLst>
+          <a:scene3d>
+            <a:camera prst="isometricBottomUp" fov="0">
+              <a:rot lat="0" lon="0" rev="0"/>
+            </a:camera>
+            <a:lightRig rig="soft" dir="b">
+              <a:rot lat="0" lon="0" rev="9000000"/>
+            </a:lightRig>
+          </a:scene3d>
+          <a:sp3d contourW="35000" prstMaterial="matte">
+            <a:bevelT w="45000" h="38100" prst="convex"/>
+            <a:contourClr>
+              <a:schemeClr val="phClr">
+                <a:tint val="10000"/>
+                <a:satMod val="130000"/>
+              </a:schemeClr>
+            </a:contourClr>
+          </a:sp3d>
+        </a:effectStyle>
+      </a:effectStyleLst>
+      <a:bgFillStyleLst>
+        <a:solidFill>
+          <a:schemeClr val="phClr"/>
+        </a:solidFill>
+        <a:gradFill rotWithShape="1">
+          <a:gsLst>
+            <a:gs pos="0">
+              <a:schemeClr val="phClr">
+                <a:tint val="40000"/>
+                <a:satMod val="350000"/>
+              </a:schemeClr>
+            </a:gs>
+            <a:gs pos="40000">
+              <a:schemeClr val="phClr">
+                <a:tint val="45000"/>
+                <a:shade val="99000"/>
+                <a:satMod val="350000"/>
+              </a:schemeClr>
+            </a:gs>
+            <a:gs pos="100000">
+              <a:schemeClr val="phClr">
+                <a:shade val="20000"/>
+                <a:satMod val="255000"/>
+              </a:schemeClr>
+            </a:gs>
+          </a:gsLst>
+          <a:path path="circle">
+            <a:fillToRect l="50000" t="-80000" r="50000" b="180000"/>
+          </a:path>
+        </a:gradFill>
+        <a:gradFill rotWithShape="1">
+          <a:gsLst>
+            <a:gs pos="0">
+              <a:schemeClr val="phClr">
+                <a:tint val="80000"/>
+                <a:satMod val="300000"/>
+              </a:schemeClr>
+            </a:gs>
+            <a:gs pos="100000">
+              <a:schemeClr val="phClr">
+                <a:shade val="30000"/>
+                <a:satMod val="200000"/>
+              </a:schemeClr>
+            </a:gs>
+          </a:gsLst>
+          <a:path path="circle">
+            <a:fillToRect l="50000" t="50000" r="50000" b="50000"/>
+          </a:path>
+        </a:gradFill>
+      </a:bgFillStyleLst>
+    </a:fmtScheme>
+  </a:themeElements>
+  <a:objectDefaults/>
+  <a:extraClrSchemeLst/>
+</a:theme>
+</file>
+
+<file path=ppt/theme/theme2.xml><?xml version="1.0" encoding="utf-8"?>
+<a:theme xmlns:a="http://schemas.openxmlformats.org/drawingml/2006/main" name="Office Theme">
+  <a:themeElements>
+    <a:clrScheme name="Office">
+      <a:dk1>
+        <a:sysClr val="windowText" lastClr="000000"/>
+      </a:dk1>
+      <a:lt1>
+        <a:sysClr val="window" lastClr="FFFFFF"/>
+      </a:lt1>
+      <a:dk2>
+        <a:srgbClr val="1F497D"/>
+      </a:dk2>
+      <a:lt2>
+        <a:srgbClr val="EEECE1"/>
+      </a:lt2>
+      <a:accent1>
+        <a:srgbClr val="4F81BD"/>
+      </a:accent1>
+      <a:accent2>
+        <a:srgbClr val="C0504D"/>
+      </a:accent2>
+      <a:accent3>
+        <a:srgbClr val="9BBB59"/>
+      </a:accent3>
+      <a:accent4>
+        <a:srgbClr val="8064A2"/>
+      </a:accent4>
+      <a:accent5>
+        <a:srgbClr val="4BACC6"/>
+      </a:accent5>
+      <a:accent6>
+        <a:srgbClr val="F79646"/>
+      </a:accent6>
+      <a:hlink>
+        <a:srgbClr val="0000FF"/>
+      </a:hlink>
+      <a:folHlink>
+        <a:srgbClr val="800080"/>
+      </a:folHlink>
+    </a:clrScheme>
+    <a:fontScheme name="Office">
+      <a:majorFont>
+        <a:latin typeface="Calibri"/>
+        <a:ea typeface=""/>
+        <a:cs typeface=""/>
+        <a:font script="Jpan" typeface="ＭＳ Ｐゴシック"/>
+        <a:font script="Hang" typeface="맑은 고딕"/>
+        <a:font script="Hans" typeface="宋体"/>
+        <a:font script="Hant" typeface="新細明體"/>
+        <a:font script="Arab" typeface="Times New Roman"/>
+        <a:font script="Hebr" typeface="Times New Roman"/>
+        <a:font script="Thai" typeface="Angsana New"/>
+        <a:font script="Ethi" typeface="Nyala"/>
+        <a:font script="Beng" typeface="Vrinda"/>
+        <a:font script="Gujr" typeface="Shruti"/>
+        <a:font script="Khmr" typeface="MoolBoran"/>
+        <a:font script="Knda" typeface="Tunga"/>
+        <a:font script="Guru" typeface="Raavi"/>
+        <a:font script="Cans" typeface="Euphemia"/>
+        <a:font script="Cher" typeface="Plantagenet Cherokee"/>
+        <a:font script="Yiii" typeface="Microsoft Yi Baiti"/>
+        <a:font script="Tibt" typeface="Microsoft Himalaya"/>
+        <a:font script="Thaa" typeface="MV Boli"/>
+        <a:font script="Deva" typeface="Mangal"/>
+        <a:font script="Telu" typeface="Gautami"/>
+        <a:font script="Taml" typeface="Latha"/>
+        <a:font script="Syrc" typeface="Estrangelo Edessa"/>
+        <a:font script="Orya" typeface="Kalinga"/>
+        <a:font script="Mlym" typeface="Kartika"/>
+        <a:font script="Laoo" typeface="DokChampa"/>
+        <a:font script="Sinh" typeface="Iskoola Pota"/>
+        <a:font script="Mong" typeface="Mongolian Baiti"/>
+        <a:font script="Viet" typeface="Times New Roman"/>
+        <a:font script="Uigh" typeface="Microsoft Uighur"/>
+      </a:majorFont>
+      <a:minorFont>
+        <a:latin typeface="Calibri"/>
+        <a:ea typeface=""/>
+        <a:cs typeface=""/>
+        <a:font script="Jpan" typeface="ＭＳ Ｐゴシック"/>
+        <a:font script="Hang" typeface="맑은 고딕"/>
+        <a:font script="Hans" typeface="宋体"/>
+        <a:font script="Hant" typeface="新細明體"/>
+        <a:font script="Arab" typeface="Arial"/>
+        <a:font script="Hebr" typeface="Arial"/>
+        <a:font script="Thai" typeface="Cordia New"/>
+        <a:font script="Ethi" typeface="Nyala"/>
+        <a:font script="Beng" typeface="Vrinda"/>
+        <a:font script="Gujr" typeface="Shruti"/>
+        <a:font script="Khmr" typeface="DaunPenh"/>
+        <a:font script="Knda" typeface="Tunga"/>
+        <a:font script="Guru" typeface="Raavi"/>
+        <a:font script="Cans" typeface="Euphemia"/>
+        <a:font script="Cher" typeface="Plantagenet Cherokee"/>
+        <a:font script="Yiii" typeface="Microsoft Yi Baiti"/>
+        <a:font script="Tibt" typeface="Microsoft Himalaya"/>
+        <a:font script="Thaa" typeface="MV Boli"/>
+        <a:font script="Deva" typeface="Mangal"/>
+        <a:font script="Telu" typeface="Gautami"/>
+        <a:font script="Taml" typeface="Latha"/>
+        <a:font script="Syrc" typeface="Estrangelo Edessa"/>
+        <a:font script="Orya" typeface="Kalinga"/>
+        <a:font script="Mlym" typeface="Kartika"/>
+        <a:font script="Laoo" typeface="DokChampa"/>
+        <a:font script="Sinh" typeface="Iskoola Pota"/>
+        <a:font script="Mong" typeface="Mongolian Baiti"/>
+        <a:font script="Viet" typeface="Arial"/>
+        <a:font script="Uigh" typeface="Microsoft Uighur"/>
+      </a:minorFont>
+    </a:fontScheme>
+    <a:fmtScheme name="Office">
+      <a:fillStyleLst>
+        <a:solidFill>
+          <a:schemeClr val="phClr"/>
+        </a:solidFill>
+        <a:gradFill rotWithShape="1">
+          <a:gsLst>
+            <a:gs pos="0">
+              <a:schemeClr val="phClr">
+                <a:tint val="50000"/>
+                <a:satMod val="300000"/>
+              </a:schemeClr>
+            </a:gs>
+            <a:gs pos="35000">
+              <a:schemeClr val="phClr">
+                <a:tint val="37000"/>
+                <a:satMod val="300000"/>
+              </a:schemeClr>
+            </a:gs>
+            <a:gs pos="100000">
+              <a:schemeClr val="phClr">
+                <a:tint val="15000"/>
+                <a:satMod val="350000"/>
+              </a:schemeClr>
+            </a:gs>
+          </a:gsLst>
+          <a:lin ang="16200000" scaled="1"/>
+        </a:gradFill>
+        <a:gradFill rotWithShape="1">
+          <a:gsLst>
+            <a:gs pos="0">
+              <a:schemeClr val="phClr">
+                <a:shade val="51000"/>
+                <a:satMod val="130000"/>
+              </a:schemeClr>
+            </a:gs>
+            <a:gs pos="80000">
+              <a:schemeClr val="phClr">
+                <a:shade val="93000"/>
+                <a:satMod val="130000"/>
+              </a:schemeClr>
+            </a:gs>
+            <a:gs pos="100000">
+              <a:schemeClr val="phClr">
+                <a:shade val="94000"/>
+                <a:satMod val="135000"/>
+              </a:schemeClr>
+            </a:gs>
+          </a:gsLst>
+          <a:lin ang="16200000" scaled="0"/>
+        </a:gradFill>
+      </a:fillStyleLst>
+      <a:lnStyleLst>
+        <a:ln w="9525" cap="flat" cmpd="sng" algn="ctr">
+          <a:solidFill>
+            <a:schemeClr val="phClr">
+              <a:shade val="95000"/>
+              <a:satMod val="105000"/>
+            </a:schemeClr>
+          </a:solidFill>
+          <a:prstDash val="solid"/>
+        </a:ln>
+        <a:ln w="25400" cap="flat" cmpd="sng" algn="ctr">
+          <a:solidFill>
+            <a:schemeClr val="phClr"/>
+          </a:solidFill>
+          <a:prstDash val="solid"/>
+        </a:ln>
+        <a:ln w="38100" cap="flat" cmpd="sng" algn="ctr">
+          <a:solidFill>
+            <a:schemeClr val="phClr"/>
+          </a:solidFill>
+          <a:prstDash val="solid"/>
+        </a:ln>
+      </a:lnStyleLst>
+      <a:effectStyleLst>
+        <a:effectStyle>
+          <a:effectLst>
+            <a:outerShdw blurRad="40000" dist="20000" dir="5400000" rotWithShape="0">
+              <a:srgbClr val="000000">
+                <a:alpha val="38000"/>
+              </a:srgbClr>
+            </a:outerShdw>
+          </a:effectLst>
+        </a:effectStyle>
+        <a:effectStyle>
+          <a:effectLst>
+            <a:outerShdw blurRad="40000" dist="23000" dir="5400000" rotWithShape="0">
+              <a:srgbClr val="000000">
+                <a:alpha val="35000"/>
+              </a:srgbClr>
+            </a:outerShdw>
+          </a:effectLst>
+        </a:effectStyle>
+        <a:effectStyle>
+          <a:effectLst>
+            <a:outerShdw blurRad="40000" dist="23000" dir="5400000" rotWithShape="0">
+              <a:srgbClr val="000000">
+                <a:alpha val="35000"/>
+              </a:srgbClr>
+            </a:outerShdw>
+          </a:effectLst>
+          <a:scene3d>
+            <a:camera prst="orthographicFront">
+              <a:rot lat="0" lon="0" rev="0"/>
+            </a:camera>
+            <a:lightRig rig="threePt" dir="t">
+              <a:rot lat="0" lon="0" rev="1200000"/>
+            </a:lightRig>
+          </a:scene3d>
+          <a:sp3d>
+            <a:bevelT w="63500" h="25400"/>
+          </a:sp3d>
+        </a:effectStyle>
+      </a:effectStyleLst>
+      <a:bgFillStyleLst>
+        <a:solidFill>
+          <a:schemeClr val="phClr"/>
+        </a:solidFill>
+        <a:gradFill rotWithShape="1">
+          <a:gsLst>
+            <a:gs pos="0">
+              <a:schemeClr val="phClr">
+                <a:tint val="40000"/>
+                <a:satMod val="350000"/>
+              </a:schemeClr>
+            </a:gs>
+            <a:gs pos="40000">
+              <a:schemeClr val="phClr">
+                <a:tint val="45000"/>
+                <a:shade val="99000"/>
+                <a:satMod val="350000"/>
+              </a:schemeClr>
+            </a:gs>
+            <a:gs pos="100000">
+              <a:schemeClr val="phClr">
+                <a:shade val="20000"/>
+                <a:satMod val="255000"/>
+              </a:schemeClr>
+            </a:gs>
+          </a:gsLst>
+          <a:path path="circle">
+            <a:fillToRect l="50000" t="-80000" r="50000" b="180000"/>
+          </a:path>
+        </a:gradFill>
+        <a:gradFill rotWithShape="1">
+          <a:gsLst>
+            <a:gs pos="0">
+              <a:schemeClr val="phClr">
+                <a:tint val="80000"/>
+                <a:satMod val="300000"/>
+              </a:schemeClr>
+            </a:gs>
+            <a:gs pos="100000">
+              <a:schemeClr val="phClr">
+                <a:shade val="30000"/>
+                <a:satMod val="200000"/>
+              </a:schemeClr>
+            </a:gs>
+          </a:gsLst>
+          <a:path path="circle">
+            <a:fillToRect l="50000" t="50000" r="50000" b="50000"/>
+          </a:path>
+        </a:gradFill>
+      </a:bgFillStyleLst>
+    </a:fmtScheme>
+  </a:themeElements>
+  <a:objectDefaults/>
+  <a:extraClrSchemeLst/>
+</a:theme>
+</file>
+
+<file path=ppt/theme/theme3.xml><?xml version="1.0" encoding="utf-8"?>
 <a:theme xmlns:a="http://schemas.openxmlformats.org/drawingml/2006/main" name="Office Theme">
   <a:themeElements>
     <a:clrScheme name="Office">
